--- a/Business Model Canvas with Office Smart Art.pptx
+++ b/Business Model Canvas with Office Smart Art.pptx
@@ -111,6 +111,22 @@
       </a:defRPr>
     </a:lvl9pPr>
   </p:defaultTextStyle>
+  <p:extLst>
+    <p:ext uri="{EFAFB233-063F-42B5-8137-9DF3F51BA10A}">
+      <p15:sldGuideLst xmlns:p15="http://schemas.microsoft.com/office/powerpoint/2012/main">
+        <p15:guide id="1" orient="horz" pos="2160">
+          <p15:clr>
+            <a:srgbClr val="A4A3A4"/>
+          </p15:clr>
+        </p15:guide>
+        <p15:guide id="2" pos="2880">
+          <p15:clr>
+            <a:srgbClr val="A4A3A4"/>
+          </p15:clr>
+        </p15:guide>
+      </p15:sldGuideLst>
+    </p:ext>
+  </p:extLst>
 </p:presentation>
 </file>
 
@@ -2522,9 +2538,10 @@
         <a:lstStyle/>
         <a:p>
           <a:r>
-            <a:rPr b="1"/>
+            <a:rPr lang="en-US" b="1" noProof="0" dirty="0" smtClean="0"/>
             <a:t>Value Propositions</a:t>
           </a:r>
+          <a:endParaRPr lang="en-US" b="1" noProof="0" dirty="0"/>
         </a:p>
       </dgm:t>
     </dgm:pt>
@@ -2562,34 +2579,10 @@
         <a:lstStyle/>
         <a:p>
           <a:r>
-            <a:rPr lang="fr-CH" sz="1600" b="1" dirty="0" err="1" smtClean="0"/>
-            <a:t>Ecologicaly</a:t>
+            <a:rPr lang="en-US" sz="1600" b="1" noProof="0" dirty="0" smtClean="0"/>
+            <a:t>Ecologically and socially responsible garment</a:t>
           </a:r>
-          <a:r>
-            <a:rPr lang="fr-CH" sz="1600" b="1" dirty="0" smtClean="0"/>
-            <a:t> and </a:t>
-          </a:r>
-          <a:r>
-            <a:rPr lang="fr-CH" sz="1600" b="1" dirty="0" err="1" smtClean="0"/>
-            <a:t>socialy</a:t>
-          </a:r>
-          <a:r>
-            <a:rPr lang="fr-CH" sz="1600" b="1" dirty="0" smtClean="0"/>
-            <a:t> </a:t>
-          </a:r>
-          <a:r>
-            <a:rPr lang="fr-CH" sz="1600" b="1" dirty="0" err="1" smtClean="0"/>
-            <a:t>responsible</a:t>
-          </a:r>
-          <a:r>
-            <a:rPr lang="fr-CH" sz="1600" b="1" dirty="0" smtClean="0"/>
-            <a:t> </a:t>
-          </a:r>
-          <a:r>
-            <a:rPr lang="fr-CH" sz="1600" b="1" dirty="0" err="1" smtClean="0"/>
-            <a:t>garment</a:t>
-          </a:r>
-          <a:endParaRPr lang="fr-CH" sz="1600" b="1" dirty="0"/>
+          <a:endParaRPr lang="en-US" sz="1600" b="1" noProof="0" dirty="0"/>
         </a:p>
       </dgm:t>
     </dgm:pt>
@@ -2638,9 +2631,10 @@
         <a:lstStyle/>
         <a:p>
           <a:r>
-            <a:rPr b="1" dirty="0"/>
+            <a:rPr lang="en-US" b="1" noProof="0" dirty="0" smtClean="0"/>
             <a:t>Customer Segments</a:t>
           </a:r>
+          <a:endParaRPr lang="en-US" b="1" noProof="0" dirty="0"/>
         </a:p>
       </dgm:t>
     </dgm:pt>
@@ -2678,10 +2672,10 @@
         <a:lstStyle/>
         <a:p>
           <a:r>
-            <a:rPr lang="fr-CH" sz="1600" b="1" dirty="0" err="1" smtClean="0"/>
+            <a:rPr lang="en-US" sz="1600" b="1" noProof="0" dirty="0" smtClean="0"/>
             <a:t>Families</a:t>
           </a:r>
-          <a:endParaRPr lang="fr-CH" sz="1600" b="1" dirty="0"/>
+          <a:endParaRPr lang="en-US" sz="1600" b="1" noProof="0" dirty="0"/>
         </a:p>
       </dgm:t>
     </dgm:pt>
@@ -2730,9 +2724,10 @@
         <a:lstStyle/>
         <a:p>
           <a:r>
-            <a:rPr b="1"/>
+            <a:rPr lang="en-US" b="1" noProof="0" dirty="0" smtClean="0"/>
             <a:t>Channels</a:t>
           </a:r>
+          <a:endParaRPr lang="en-US" b="1" noProof="0" dirty="0"/>
         </a:p>
       </dgm:t>
     </dgm:pt>
@@ -2770,10 +2765,10 @@
         <a:lstStyle/>
         <a:p>
           <a:r>
-            <a:rPr lang="fr-CH" sz="1600" b="1" dirty="0" smtClean="0"/>
+            <a:rPr lang="en-US" sz="1600" b="1" noProof="0" dirty="0" smtClean="0"/>
             <a:t>Internet</a:t>
           </a:r>
-          <a:endParaRPr lang="fr-CH" sz="1600" b="1" dirty="0"/>
+          <a:endParaRPr lang="en-US" sz="1600" b="1" noProof="0" dirty="0"/>
         </a:p>
       </dgm:t>
     </dgm:pt>
@@ -2822,9 +2817,10 @@
         <a:lstStyle/>
         <a:p>
           <a:r>
-            <a:rPr b="1" dirty="0"/>
+            <a:rPr lang="en-US" b="1" noProof="0" dirty="0" smtClean="0"/>
             <a:t>Customer Relationships</a:t>
           </a:r>
+          <a:endParaRPr lang="en-US" b="1" noProof="0" dirty="0"/>
         </a:p>
       </dgm:t>
     </dgm:pt>
@@ -2862,22 +2858,10 @@
         <a:lstStyle/>
         <a:p>
           <a:r>
-            <a:rPr lang="fr-CH" sz="1600" b="1" dirty="0" err="1" smtClean="0"/>
-            <a:t>Loyality</a:t>
+            <a:rPr lang="en-US" sz="1600" b="1" noProof="0" dirty="0" smtClean="0"/>
+            <a:t>Loyalty program (Switcher friends)</a:t>
           </a:r>
-          <a:r>
-            <a:rPr lang="fr-CH" sz="1600" b="1" dirty="0" smtClean="0"/>
-            <a:t> program (Switcher </a:t>
-          </a:r>
-          <a:r>
-            <a:rPr lang="fr-CH" sz="1600" b="1" dirty="0" err="1" smtClean="0"/>
-            <a:t>friends</a:t>
-          </a:r>
-          <a:r>
-            <a:rPr lang="fr-CH" sz="1600" b="1" dirty="0" smtClean="0"/>
-            <a:t>)</a:t>
-          </a:r>
-          <a:endParaRPr lang="fr-CH" sz="1600" b="1" dirty="0"/>
+          <a:endParaRPr lang="en-US" sz="1600" b="1" noProof="0" dirty="0"/>
         </a:p>
       </dgm:t>
     </dgm:pt>
@@ -2926,9 +2910,10 @@
         <a:lstStyle/>
         <a:p>
           <a:r>
-            <a:rPr b="1" dirty="0"/>
+            <a:rPr lang="en-US" b="1" noProof="0" dirty="0" smtClean="0"/>
             <a:t>Revenue Streams</a:t>
           </a:r>
+          <a:endParaRPr lang="en-US" b="1" noProof="0" dirty="0"/>
         </a:p>
       </dgm:t>
     </dgm:pt>
@@ -2966,14 +2951,10 @@
         <a:lstStyle/>
         <a:p>
           <a:r>
-            <a:rPr lang="fr-CH" sz="1600" b="1" dirty="0" err="1" smtClean="0"/>
-            <a:t>Garment</a:t>
+            <a:rPr lang="en-US" sz="1600" b="1" noProof="0" dirty="0" smtClean="0"/>
+            <a:t>Garment sales</a:t>
           </a:r>
-          <a:r>
-            <a:rPr lang="fr-CH" sz="1600" b="1" dirty="0" smtClean="0"/>
-            <a:t> sales</a:t>
-          </a:r>
-          <a:endParaRPr lang="fr-CH" sz="1600" b="1" dirty="0"/>
+          <a:endParaRPr lang="en-US" sz="1600" b="1" noProof="0" dirty="0"/>
         </a:p>
       </dgm:t>
     </dgm:pt>
@@ -3022,9 +3003,10 @@
         <a:lstStyle/>
         <a:p>
           <a:r>
-            <a:rPr b="1" dirty="0"/>
+            <a:rPr lang="en-US" b="1" noProof="0" dirty="0" smtClean="0"/>
             <a:t>Key Resources</a:t>
           </a:r>
+          <a:endParaRPr lang="en-US" b="1" noProof="0" dirty="0"/>
         </a:p>
       </dgm:t>
     </dgm:pt>
@@ -3062,18 +3044,10 @@
         <a:lstStyle/>
         <a:p>
           <a:r>
-            <a:rPr lang="fr-CH" sz="1600" b="1" dirty="0" smtClean="0"/>
-            <a:t>Custom ERP (</a:t>
+            <a:rPr lang="en-US" sz="1600" b="1" noProof="0" dirty="0" smtClean="0"/>
+            <a:t>Custom ERP (Kookaburra)</a:t>
           </a:r>
-          <a:r>
-            <a:rPr lang="fr-CH" sz="1600" b="1" dirty="0" err="1" smtClean="0"/>
-            <a:t>Kookaburra</a:t>
-          </a:r>
-          <a:r>
-            <a:rPr lang="fr-CH" sz="1600" b="1" dirty="0" smtClean="0"/>
-            <a:t>)</a:t>
-          </a:r>
-          <a:endParaRPr lang="fr-CH" sz="1600" b="1" dirty="0"/>
+          <a:endParaRPr lang="en-US" sz="1600" b="1" noProof="0" dirty="0"/>
         </a:p>
       </dgm:t>
     </dgm:pt>
@@ -3122,9 +3096,10 @@
         <a:lstStyle/>
         <a:p>
           <a:r>
-            <a:rPr b="1" dirty="0"/>
+            <a:rPr lang="en-US" b="1" noProof="0" dirty="0" smtClean="0"/>
             <a:t>Key Activities</a:t>
           </a:r>
+          <a:endParaRPr lang="en-US" b="1" noProof="0" dirty="0"/>
         </a:p>
       </dgm:t>
     </dgm:pt>
@@ -3162,10 +3137,10 @@
         <a:lstStyle/>
         <a:p>
           <a:r>
-            <a:rPr lang="fr-CH" sz="1600" b="1" dirty="0" smtClean="0"/>
+            <a:rPr lang="en-US" sz="1600" b="1" noProof="0" dirty="0" smtClean="0"/>
             <a:t>Value Chain Coordination</a:t>
           </a:r>
-          <a:endParaRPr lang="fr-CH" sz="1600" b="1" dirty="0"/>
+          <a:endParaRPr lang="en-US" sz="1600" b="1" noProof="0" dirty="0"/>
         </a:p>
       </dgm:t>
     </dgm:pt>
@@ -3214,9 +3189,10 @@
         <a:lstStyle/>
         <a:p>
           <a:r>
-            <a:rPr b="1"/>
+            <a:rPr lang="en-US" b="1" noProof="0" dirty="0" smtClean="0"/>
             <a:t>Key Partners</a:t>
           </a:r>
+          <a:endParaRPr lang="en-US" b="1" noProof="0" dirty="0"/>
         </a:p>
       </dgm:t>
     </dgm:pt>
@@ -3254,10 +3230,10 @@
         <a:lstStyle/>
         <a:p>
           <a:r>
-            <a:rPr lang="fr-CH" sz="1600" b="1" dirty="0" smtClean="0"/>
+            <a:rPr lang="en-US" sz="1600" b="1" noProof="0" dirty="0" smtClean="0"/>
             <a:t>Manufacturer</a:t>
           </a:r>
-          <a:endParaRPr lang="fr-CH" sz="1600" b="1" dirty="0"/>
+          <a:endParaRPr lang="en-US" sz="1600" b="1" noProof="0" dirty="0"/>
         </a:p>
       </dgm:t>
     </dgm:pt>
@@ -3306,9 +3282,10 @@
         <a:lstStyle/>
         <a:p>
           <a:r>
-            <a:rPr b="1"/>
+            <a:rPr lang="en-US" b="1" noProof="0" dirty="0" smtClean="0"/>
             <a:t>Cost Structure</a:t>
           </a:r>
+          <a:endParaRPr lang="en-US" b="1" noProof="0" dirty="0"/>
         </a:p>
       </dgm:t>
     </dgm:pt>
@@ -3346,18 +3323,10 @@
         <a:lstStyle/>
         <a:p>
           <a:r>
-            <a:rPr lang="fr-CH" sz="1600" b="1" dirty="0" err="1" smtClean="0"/>
-            <a:t>Garment</a:t>
+            <a:rPr lang="en-US" sz="1600" b="1" noProof="0" dirty="0" smtClean="0"/>
+            <a:t>Garment manufacture</a:t>
           </a:r>
-          <a:r>
-            <a:rPr lang="fr-CH" sz="1600" b="1" dirty="0" smtClean="0"/>
-            <a:t> </a:t>
-          </a:r>
-          <a:r>
-            <a:rPr lang="fr-CH" sz="1600" b="1" dirty="0" err="1" smtClean="0"/>
-            <a:t>manfacture</a:t>
-          </a:r>
-          <a:endParaRPr lang="fr-CH" sz="1600" b="1" dirty="0"/>
+          <a:endParaRPr lang="en-US" sz="1600" b="1" noProof="0" dirty="0"/>
         </a:p>
       </dgm:t>
     </dgm:pt>
@@ -3395,18 +3364,14 @@
         <a:lstStyle/>
         <a:p>
           <a:r>
-            <a:rPr lang="fr-CH" sz="1600" b="1" dirty="0" err="1" smtClean="0"/>
-            <a:t>Quality</a:t>
+            <a:rPr lang="en-US" sz="1600" b="1" noProof="0" dirty="0" smtClean="0"/>
+            <a:t>Quality and certification </a:t>
           </a:r>
           <a:r>
-            <a:rPr lang="fr-CH" sz="1600" b="1" dirty="0" smtClean="0"/>
-            <a:t> and certification </a:t>
-          </a:r>
-          <a:r>
-            <a:rPr lang="fr-CH" sz="1600" b="1" dirty="0" err="1" smtClean="0"/>
+            <a:rPr lang="en-US" sz="1600" b="1" noProof="0" dirty="0" err="1" smtClean="0"/>
             <a:t>mgmt</a:t>
           </a:r>
-          <a:endParaRPr lang="fr-CH" sz="1600" b="1" dirty="0"/>
+          <a:endParaRPr lang="en-US" sz="1600" b="1" noProof="0" dirty="0"/>
         </a:p>
       </dgm:t>
     </dgm:pt>
@@ -3444,10 +3409,10 @@
         <a:lstStyle/>
         <a:p>
           <a:r>
-            <a:rPr lang="fr-CH" sz="1600" b="1" dirty="0" smtClean="0"/>
+            <a:rPr lang="en-US" sz="1600" b="1" noProof="0" dirty="0" smtClean="0"/>
             <a:t>Partner coordination</a:t>
           </a:r>
-          <a:endParaRPr lang="fr-CH" sz="1600" b="1" dirty="0"/>
+          <a:endParaRPr lang="en-US" sz="1600" b="1" noProof="0" dirty="0"/>
         </a:p>
       </dgm:t>
     </dgm:pt>
@@ -3485,14 +3450,14 @@
         <a:lstStyle/>
         <a:p>
           <a:r>
-            <a:rPr lang="fr-CH" sz="1600" b="1" dirty="0" smtClean="0"/>
+            <a:rPr lang="en-US" sz="1600" b="1" noProof="0" dirty="0" smtClean="0"/>
             <a:t>Brand </a:t>
           </a:r>
           <a:r>
-            <a:rPr lang="fr-CH" sz="1600" b="1" dirty="0" err="1" smtClean="0"/>
+            <a:rPr lang="en-US" sz="1600" b="1" noProof="0" dirty="0" err="1" smtClean="0"/>
             <a:t>mgmt</a:t>
           </a:r>
-          <a:endParaRPr lang="fr-CH" sz="1600" b="1" dirty="0"/>
+          <a:endParaRPr lang="en-US" sz="1600" b="1" noProof="0" dirty="0"/>
         </a:p>
       </dgm:t>
     </dgm:pt>
@@ -3525,7 +3490,7 @@
         <a:bodyPr/>
         <a:lstStyle/>
         <a:p>
-          <a:endParaRPr lang="fr-CH" dirty="0"/>
+          <a:endParaRPr lang="en-US" noProof="0" dirty="0"/>
         </a:p>
       </dgm:t>
     </dgm:pt>
@@ -3563,10 +3528,10 @@
         <a:lstStyle/>
         <a:p>
           <a:r>
-            <a:rPr lang="fr-CH" sz="1600" b="1" dirty="0" smtClean="0"/>
+            <a:rPr lang="en-US" sz="1600" b="1" noProof="0" dirty="0" smtClean="0"/>
             <a:t>Event sponsoring</a:t>
           </a:r>
-          <a:endParaRPr lang="fr-CH" sz="1600" b="1" dirty="0"/>
+          <a:endParaRPr lang="en-US" sz="1600" b="1" noProof="0" dirty="0"/>
         </a:p>
       </dgm:t>
     </dgm:pt>
@@ -3604,14 +3569,14 @@
         <a:lstStyle/>
         <a:p>
           <a:r>
-            <a:rPr lang="fr-CH" sz="1600" b="1" dirty="0" err="1" smtClean="0"/>
+            <a:rPr lang="en-US" sz="1600" b="1" noProof="0" dirty="0" err="1" smtClean="0"/>
             <a:t>PoS</a:t>
           </a:r>
           <a:r>
-            <a:rPr lang="fr-CH" sz="1600" b="1" dirty="0" smtClean="0"/>
+            <a:rPr lang="en-US" sz="1600" b="1" noProof="0" dirty="0" smtClean="0"/>
             <a:t> System</a:t>
           </a:r>
-          <a:endParaRPr lang="fr-CH" sz="1600" b="1" dirty="0"/>
+          <a:endParaRPr lang="en-US" sz="1600" b="1" noProof="0" dirty="0"/>
         </a:p>
       </dgm:t>
     </dgm:pt>
@@ -3649,10 +3614,10 @@
         <a:lstStyle/>
         <a:p>
           <a:r>
-            <a:rPr lang="fr-CH" sz="1600" b="1" dirty="0" err="1" smtClean="0"/>
-            <a:t>Logisitcs</a:t>
+            <a:rPr lang="en-US" sz="1600" b="1" noProof="0" dirty="0" smtClean="0"/>
+            <a:t>Logistics</a:t>
           </a:r>
-          <a:endParaRPr lang="fr-CH" sz="1600" b="1" dirty="0"/>
+          <a:endParaRPr lang="en-US" sz="1600" b="1" noProof="0" dirty="0"/>
         </a:p>
       </dgm:t>
     </dgm:pt>
@@ -3690,18 +3655,10 @@
         <a:lstStyle/>
         <a:p>
           <a:r>
-            <a:rPr lang="fr-CH" sz="1600" b="1" dirty="0" err="1" smtClean="0"/>
-            <a:t>Sustainable</a:t>
+            <a:rPr lang="en-US" sz="1600" b="1" noProof="0" dirty="0" smtClean="0"/>
+            <a:t>Sustainable Development</a:t>
           </a:r>
-          <a:r>
-            <a:rPr lang="fr-CH" sz="1600" b="1" dirty="0" smtClean="0"/>
-            <a:t> </a:t>
-          </a:r>
-          <a:r>
-            <a:rPr lang="fr-CH" sz="1600" b="1" dirty="0" err="1" smtClean="0"/>
-            <a:t>Development</a:t>
-          </a:r>
-          <a:endParaRPr lang="fr-CH" sz="1600" b="1" dirty="0"/>
+          <a:endParaRPr lang="en-US" sz="1600" b="1" noProof="0" dirty="0"/>
         </a:p>
       </dgm:t>
     </dgm:pt>
@@ -3739,26 +3696,10 @@
         <a:lstStyle/>
         <a:p>
           <a:r>
-            <a:rPr lang="fr-CH" sz="1600" b="1" dirty="0" err="1" smtClean="0"/>
-            <a:t>Raw</a:t>
+            <a:rPr lang="en-US" sz="1600" b="1" noProof="0" dirty="0" smtClean="0"/>
+            <a:t>Raw resources producer</a:t>
           </a:r>
-          <a:r>
-            <a:rPr lang="fr-CH" sz="1600" b="1" dirty="0" smtClean="0"/>
-            <a:t> </a:t>
-          </a:r>
-          <a:r>
-            <a:rPr lang="fr-CH" sz="1600" b="1" dirty="0" err="1" smtClean="0"/>
-            <a:t>resources</a:t>
-          </a:r>
-          <a:r>
-            <a:rPr lang="fr-CH" sz="1600" b="1" dirty="0" smtClean="0"/>
-            <a:t> </a:t>
-          </a:r>
-          <a:r>
-            <a:rPr lang="fr-CH" sz="1600" b="1" dirty="0" err="1" smtClean="0"/>
-            <a:t>producer</a:t>
-          </a:r>
-          <a:endParaRPr lang="fr-CH" sz="1600" b="1" dirty="0"/>
+          <a:endParaRPr lang="en-US" sz="1600" b="1" noProof="0" dirty="0"/>
         </a:p>
       </dgm:t>
     </dgm:pt>
@@ -3796,18 +3737,10 @@
         <a:lstStyle/>
         <a:p>
           <a:r>
-            <a:rPr lang="fr-CH" sz="1600" b="1" dirty="0" err="1" smtClean="0"/>
-            <a:t>Logistics</a:t>
+            <a:rPr lang="en-US" sz="1600" b="1" noProof="0" dirty="0" smtClean="0"/>
+            <a:t>Logistics companies</a:t>
           </a:r>
-          <a:r>
-            <a:rPr lang="fr-CH" sz="1600" b="1" dirty="0" smtClean="0"/>
-            <a:t> </a:t>
-          </a:r>
-          <a:r>
-            <a:rPr lang="fr-CH" sz="1600" b="1" dirty="0" err="1" smtClean="0"/>
-            <a:t>companies</a:t>
-          </a:r>
-          <a:endParaRPr lang="fr-CH" sz="1600" b="1" dirty="0"/>
+          <a:endParaRPr lang="en-US" sz="1600" b="1" noProof="0" dirty="0"/>
         </a:p>
       </dgm:t>
     </dgm:pt>
@@ -3845,10 +3778,10 @@
         <a:lstStyle/>
         <a:p>
           <a:r>
-            <a:rPr lang="fr-CH" sz="1600" b="1" dirty="0" smtClean="0"/>
+            <a:rPr lang="en-US" sz="1600" b="1" noProof="0" dirty="0" smtClean="0"/>
             <a:t>Stores</a:t>
           </a:r>
-          <a:endParaRPr lang="fr-CH" sz="1600" b="1" dirty="0"/>
+          <a:endParaRPr lang="en-US" sz="1600" b="1" noProof="0" dirty="0"/>
         </a:p>
       </dgm:t>
     </dgm:pt>
@@ -3886,10 +3819,10 @@
         <a:lstStyle/>
         <a:p>
           <a:r>
-            <a:rPr lang="fr-CH" sz="1600" b="1" dirty="0" smtClean="0"/>
+            <a:rPr lang="en-US" sz="1600" b="1" noProof="0" dirty="0" smtClean="0"/>
             <a:t>Printers</a:t>
           </a:r>
-          <a:endParaRPr lang="fr-CH" sz="1600" b="1" dirty="0"/>
+          <a:endParaRPr lang="en-US" sz="1600" b="1" noProof="0" dirty="0"/>
         </a:p>
       </dgm:t>
     </dgm:pt>
@@ -3927,10 +3860,10 @@
         <a:lstStyle/>
         <a:p>
           <a:r>
-            <a:rPr lang="fr-CH" sz="1600" b="1" dirty="0" err="1" smtClean="0"/>
+            <a:rPr lang="en-US" sz="1600" b="1" noProof="0" dirty="0" smtClean="0"/>
             <a:t>Quality</a:t>
           </a:r>
-          <a:endParaRPr lang="fr-CH" sz="1600" b="1" dirty="0"/>
+          <a:endParaRPr lang="en-US" sz="1600" b="1" noProof="0" dirty="0"/>
         </a:p>
       </dgm:t>
     </dgm:pt>
@@ -3968,14 +3901,10 @@
         <a:lstStyle/>
         <a:p>
           <a:r>
-            <a:rPr lang="fr-CH" sz="1600" b="1" dirty="0" smtClean="0"/>
-            <a:t>Familial </a:t>
+            <a:rPr lang="en-US" sz="1600" b="1" noProof="0" dirty="0" smtClean="0"/>
+            <a:t>Familial pricing</a:t>
           </a:r>
-          <a:r>
-            <a:rPr lang="fr-CH" sz="1600" b="1" dirty="0" err="1" smtClean="0"/>
-            <a:t>pricing</a:t>
-          </a:r>
-          <a:endParaRPr lang="fr-CH" sz="1600" b="1" dirty="0"/>
+          <a:endParaRPr lang="en-US" sz="1600" b="1" noProof="0" dirty="0"/>
         </a:p>
       </dgm:t>
     </dgm:pt>
@@ -4013,10 +3942,10 @@
         <a:lstStyle/>
         <a:p>
           <a:r>
-            <a:rPr lang="fr-CH" sz="1600" b="1" dirty="0" err="1" smtClean="0"/>
+            <a:rPr lang="en-US" sz="1600" b="1" noProof="0" dirty="0" smtClean="0"/>
             <a:t>Ethics</a:t>
           </a:r>
-          <a:endParaRPr lang="fr-CH" sz="1600" b="1" dirty="0"/>
+          <a:endParaRPr lang="en-US" sz="1600" b="1" noProof="0" dirty="0"/>
         </a:p>
       </dgm:t>
     </dgm:pt>
@@ -4054,10 +3983,10 @@
         <a:lstStyle/>
         <a:p>
           <a:r>
-            <a:rPr lang="fr-CH" sz="1600" b="1" dirty="0" err="1" smtClean="0"/>
-            <a:t>Tracability</a:t>
+            <a:rPr lang="en-US" sz="1600" b="1" noProof="0" dirty="0" smtClean="0"/>
+            <a:t>Traceability</a:t>
           </a:r>
-          <a:endParaRPr lang="fr-CH" sz="1600" b="1" dirty="0"/>
+          <a:endParaRPr lang="en-US" sz="1600" b="1" noProof="0" dirty="0"/>
         </a:p>
       </dgm:t>
     </dgm:pt>
@@ -4095,10 +4024,10 @@
         <a:lstStyle/>
         <a:p>
           <a:r>
-            <a:rPr lang="fr-CH" sz="1600" b="1" dirty="0" smtClean="0"/>
+            <a:rPr lang="en-US" sz="1600" b="1" noProof="0" dirty="0" smtClean="0"/>
             <a:t>Clubs</a:t>
           </a:r>
-          <a:endParaRPr lang="fr-CH" sz="1600" b="1" dirty="0"/>
+          <a:endParaRPr lang="en-US" sz="1600" b="1" noProof="0" dirty="0"/>
         </a:p>
       </dgm:t>
     </dgm:pt>
@@ -4136,10 +4065,10 @@
         <a:lstStyle/>
         <a:p>
           <a:r>
-            <a:rPr lang="fr-CH" sz="1600" b="1" dirty="0" err="1" smtClean="0"/>
+            <a:rPr lang="en-US" sz="1600" b="1" noProof="0" dirty="0" smtClean="0"/>
             <a:t>Enterprises</a:t>
           </a:r>
-          <a:endParaRPr lang="fr-CH" sz="1600" b="1" dirty="0"/>
+          <a:endParaRPr lang="en-US" sz="1600" b="1" noProof="0" dirty="0"/>
         </a:p>
       </dgm:t>
     </dgm:pt>
@@ -4177,10 +4106,10 @@
         <a:lstStyle/>
         <a:p>
           <a:r>
-            <a:rPr lang="fr-CH" sz="1600" b="1" dirty="0" smtClean="0"/>
+            <a:rPr lang="en-US" sz="1600" b="1" noProof="0" dirty="0" smtClean="0"/>
             <a:t>Events</a:t>
           </a:r>
-          <a:endParaRPr lang="fr-CH" sz="1600" b="1" dirty="0"/>
+          <a:endParaRPr lang="en-US" sz="1600" b="1" noProof="0" dirty="0"/>
         </a:p>
       </dgm:t>
     </dgm:pt>
@@ -4218,26 +4147,10 @@
         <a:lstStyle/>
         <a:p>
           <a:r>
-            <a:rPr lang="fr-CH" sz="1600" b="1" dirty="0" err="1" smtClean="0"/>
-            <a:t>Sustainable</a:t>
+            <a:rPr lang="en-US" sz="1600" b="1" noProof="0" dirty="0" smtClean="0"/>
+            <a:t>Sustainable aware buyers</a:t>
           </a:r>
-          <a:r>
-            <a:rPr lang="fr-CH" sz="1600" b="1" dirty="0" smtClean="0"/>
-            <a:t> </a:t>
-          </a:r>
-          <a:r>
-            <a:rPr lang="fr-CH" sz="1600" b="1" dirty="0" err="1" smtClean="0"/>
-            <a:t>aware</a:t>
-          </a:r>
-          <a:r>
-            <a:rPr lang="fr-CH" sz="1600" b="1" dirty="0" smtClean="0"/>
-            <a:t> </a:t>
-          </a:r>
-          <a:r>
-            <a:rPr lang="fr-CH" sz="1600" b="1" dirty="0" err="1" smtClean="0"/>
-            <a:t>buyers</a:t>
-          </a:r>
-          <a:endParaRPr lang="fr-CH" sz="1600" b="1" dirty="0"/>
+          <a:endParaRPr lang="en-US" sz="1600" b="1" noProof="0" dirty="0"/>
         </a:p>
       </dgm:t>
     </dgm:pt>
@@ -7828,9 +7741,10 @@
             </a:spcAft>
           </a:pPr>
           <a:r>
-            <a:rPr sz="1200" b="1" kern="1200"/>
+            <a:rPr lang="en-US" sz="1200" b="1" kern="1200" noProof="0" dirty="0" smtClean="0"/>
             <a:t>Key Partners</a:t>
           </a:r>
+          <a:endParaRPr lang="en-US" sz="1200" b="1" kern="1200" noProof="0" dirty="0"/>
         </a:p>
       </dsp:txBody>
       <dsp:txXfrm>
@@ -7897,10 +7811,10 @@
             </a:spcAft>
           </a:pPr>
           <a:r>
-            <a:rPr lang="fr-CH" sz="1600" b="1" kern="1200" dirty="0" smtClean="0"/>
+            <a:rPr lang="en-US" sz="1600" b="1" kern="1200" noProof="0" dirty="0" smtClean="0"/>
             <a:t>Manufacturer</a:t>
           </a:r>
-          <a:endParaRPr lang="fr-CH" sz="1600" b="1" kern="1200" dirty="0"/>
+          <a:endParaRPr lang="en-US" sz="1600" b="1" kern="1200" noProof="0" dirty="0"/>
         </a:p>
       </dsp:txBody>
       <dsp:txXfrm>
@@ -7967,26 +7881,10 @@
             </a:spcAft>
           </a:pPr>
           <a:r>
-            <a:rPr lang="fr-CH" sz="1600" b="1" kern="1200" dirty="0" err="1" smtClean="0"/>
-            <a:t>Raw</a:t>
+            <a:rPr lang="en-US" sz="1600" b="1" kern="1200" noProof="0" dirty="0" smtClean="0"/>
+            <a:t>Raw resources producer</a:t>
           </a:r>
-          <a:r>
-            <a:rPr lang="fr-CH" sz="1600" b="1" kern="1200" dirty="0" smtClean="0"/>
-            <a:t> </a:t>
-          </a:r>
-          <a:r>
-            <a:rPr lang="fr-CH" sz="1600" b="1" kern="1200" dirty="0" err="1" smtClean="0"/>
-            <a:t>resources</a:t>
-          </a:r>
-          <a:r>
-            <a:rPr lang="fr-CH" sz="1600" b="1" kern="1200" dirty="0" smtClean="0"/>
-            <a:t> </a:t>
-          </a:r>
-          <a:r>
-            <a:rPr lang="fr-CH" sz="1600" b="1" kern="1200" dirty="0" err="1" smtClean="0"/>
-            <a:t>producer</a:t>
-          </a:r>
-          <a:endParaRPr lang="fr-CH" sz="1600" b="1" kern="1200" dirty="0"/>
+          <a:endParaRPr lang="en-US" sz="1600" b="1" kern="1200" noProof="0" dirty="0"/>
         </a:p>
       </dsp:txBody>
       <dsp:txXfrm>
@@ -8053,18 +7951,10 @@
             </a:spcAft>
           </a:pPr>
           <a:r>
-            <a:rPr lang="fr-CH" sz="1600" b="1" kern="1200" dirty="0" err="1" smtClean="0"/>
-            <a:t>Logistics</a:t>
+            <a:rPr lang="en-US" sz="1600" b="1" kern="1200" noProof="0" dirty="0" smtClean="0"/>
+            <a:t>Logistics companies</a:t>
           </a:r>
-          <a:r>
-            <a:rPr lang="fr-CH" sz="1600" b="1" kern="1200" dirty="0" smtClean="0"/>
-            <a:t> </a:t>
-          </a:r>
-          <a:r>
-            <a:rPr lang="fr-CH" sz="1600" b="1" kern="1200" dirty="0" err="1" smtClean="0"/>
-            <a:t>companies</a:t>
-          </a:r>
-          <a:endParaRPr lang="fr-CH" sz="1600" b="1" kern="1200" dirty="0"/>
+          <a:endParaRPr lang="en-US" sz="1600" b="1" kern="1200" noProof="0" dirty="0"/>
         </a:p>
       </dsp:txBody>
       <dsp:txXfrm>
@@ -8128,9 +8018,10 @@
             </a:spcAft>
           </a:pPr>
           <a:r>
-            <a:rPr sz="1200" b="1" kern="1200" dirty="0"/>
+            <a:rPr lang="en-US" sz="1200" b="1" kern="1200" noProof="0" dirty="0" smtClean="0"/>
             <a:t>Key Activities</a:t>
           </a:r>
+          <a:endParaRPr lang="en-US" sz="1200" b="1" kern="1200" noProof="0" dirty="0"/>
         </a:p>
       </dsp:txBody>
       <dsp:txXfrm>
@@ -8197,10 +8088,10 @@
             </a:spcAft>
           </a:pPr>
           <a:r>
-            <a:rPr lang="fr-CH" sz="1600" b="1" kern="1200" dirty="0" smtClean="0"/>
+            <a:rPr lang="en-US" sz="1600" b="1" kern="1200" noProof="0" dirty="0" smtClean="0"/>
             <a:t>Value Chain Coordination</a:t>
           </a:r>
-          <a:endParaRPr lang="fr-CH" sz="1600" b="1" kern="1200" dirty="0"/>
+          <a:endParaRPr lang="en-US" sz="1600" b="1" kern="1200" noProof="0" dirty="0"/>
         </a:p>
       </dsp:txBody>
       <dsp:txXfrm>
@@ -8267,10 +8158,10 @@
             </a:spcAft>
           </a:pPr>
           <a:r>
-            <a:rPr lang="fr-CH" sz="1600" b="1" kern="1200" dirty="0" err="1" smtClean="0"/>
-            <a:t>Logisitcs</a:t>
+            <a:rPr lang="en-US" sz="1600" b="1" kern="1200" noProof="0" dirty="0" smtClean="0"/>
+            <a:t>Logistics</a:t>
           </a:r>
-          <a:endParaRPr lang="fr-CH" sz="1600" b="1" kern="1200" dirty="0"/>
+          <a:endParaRPr lang="en-US" sz="1600" b="1" kern="1200" noProof="0" dirty="0"/>
         </a:p>
       </dsp:txBody>
       <dsp:txXfrm>
@@ -8337,18 +8228,10 @@
             </a:spcAft>
           </a:pPr>
           <a:r>
-            <a:rPr lang="fr-CH" sz="1600" b="1" kern="1200" dirty="0" err="1" smtClean="0"/>
-            <a:t>Sustainable</a:t>
+            <a:rPr lang="en-US" sz="1600" b="1" kern="1200" noProof="0" dirty="0" smtClean="0"/>
+            <a:t>Sustainable Development</a:t>
           </a:r>
-          <a:r>
-            <a:rPr lang="fr-CH" sz="1600" b="1" kern="1200" dirty="0" smtClean="0"/>
-            <a:t> </a:t>
-          </a:r>
-          <a:r>
-            <a:rPr lang="fr-CH" sz="1600" b="1" kern="1200" dirty="0" err="1" smtClean="0"/>
-            <a:t>Development</a:t>
-          </a:r>
-          <a:endParaRPr lang="fr-CH" sz="1600" b="1" kern="1200" dirty="0"/>
+          <a:endParaRPr lang="en-US" sz="1600" b="1" kern="1200" noProof="0" dirty="0"/>
         </a:p>
       </dsp:txBody>
       <dsp:txXfrm>
@@ -8412,9 +8295,10 @@
             </a:spcAft>
           </a:pPr>
           <a:r>
-            <a:rPr sz="1200" b="1" kern="1200"/>
+            <a:rPr lang="en-US" sz="1200" b="1" kern="1200" noProof="0" dirty="0" smtClean="0"/>
             <a:t>Value Propositions</a:t>
           </a:r>
+          <a:endParaRPr lang="en-US" sz="1200" b="1" kern="1200" noProof="0" dirty="0"/>
         </a:p>
       </dsp:txBody>
       <dsp:txXfrm>
@@ -8481,34 +8365,10 @@
             </a:spcAft>
           </a:pPr>
           <a:r>
-            <a:rPr lang="fr-CH" sz="1600" b="1" kern="1200" dirty="0" err="1" smtClean="0"/>
-            <a:t>Ecologicaly</a:t>
+            <a:rPr lang="en-US" sz="1600" b="1" kern="1200" noProof="0" dirty="0" smtClean="0"/>
+            <a:t>Ecologically and socially responsible garment</a:t>
           </a:r>
-          <a:r>
-            <a:rPr lang="fr-CH" sz="1600" b="1" kern="1200" dirty="0" smtClean="0"/>
-            <a:t> and </a:t>
-          </a:r>
-          <a:r>
-            <a:rPr lang="fr-CH" sz="1600" b="1" kern="1200" dirty="0" err="1" smtClean="0"/>
-            <a:t>socialy</a:t>
-          </a:r>
-          <a:r>
-            <a:rPr lang="fr-CH" sz="1600" b="1" kern="1200" dirty="0" smtClean="0"/>
-            <a:t> </a:t>
-          </a:r>
-          <a:r>
-            <a:rPr lang="fr-CH" sz="1600" b="1" kern="1200" dirty="0" err="1" smtClean="0"/>
-            <a:t>responsible</a:t>
-          </a:r>
-          <a:r>
-            <a:rPr lang="fr-CH" sz="1600" b="1" kern="1200" dirty="0" smtClean="0"/>
-            <a:t> </a:t>
-          </a:r>
-          <a:r>
-            <a:rPr lang="fr-CH" sz="1600" b="1" kern="1200" dirty="0" err="1" smtClean="0"/>
-            <a:t>garment</a:t>
-          </a:r>
-          <a:endParaRPr lang="fr-CH" sz="1600" b="1" kern="1200" dirty="0"/>
+          <a:endParaRPr lang="en-US" sz="1600" b="1" kern="1200" noProof="0" dirty="0"/>
         </a:p>
       </dsp:txBody>
       <dsp:txXfrm>
@@ -8575,10 +8435,10 @@
             </a:spcAft>
           </a:pPr>
           <a:r>
-            <a:rPr lang="fr-CH" sz="1600" b="1" kern="1200" dirty="0" err="1" smtClean="0"/>
+            <a:rPr lang="en-US" sz="1600" b="1" kern="1200" noProof="0" dirty="0" smtClean="0"/>
             <a:t>Quality</a:t>
           </a:r>
-          <a:endParaRPr lang="fr-CH" sz="1600" b="1" kern="1200" dirty="0"/>
+          <a:endParaRPr lang="en-US" sz="1600" b="1" kern="1200" noProof="0" dirty="0"/>
         </a:p>
       </dsp:txBody>
       <dsp:txXfrm>
@@ -8645,14 +8505,10 @@
             </a:spcAft>
           </a:pPr>
           <a:r>
-            <a:rPr lang="fr-CH" sz="1600" b="1" kern="1200" dirty="0" smtClean="0"/>
-            <a:t>Familial </a:t>
+            <a:rPr lang="en-US" sz="1600" b="1" kern="1200" noProof="0" dirty="0" smtClean="0"/>
+            <a:t>Familial pricing</a:t>
           </a:r>
-          <a:r>
-            <a:rPr lang="fr-CH" sz="1600" b="1" kern="1200" dirty="0" err="1" smtClean="0"/>
-            <a:t>pricing</a:t>
-          </a:r>
-          <a:endParaRPr lang="fr-CH" sz="1600" b="1" kern="1200" dirty="0"/>
+          <a:endParaRPr lang="en-US" sz="1600" b="1" kern="1200" noProof="0" dirty="0"/>
         </a:p>
       </dsp:txBody>
       <dsp:txXfrm>
@@ -8719,10 +8575,10 @@
             </a:spcAft>
           </a:pPr>
           <a:r>
-            <a:rPr lang="fr-CH" sz="1600" b="1" kern="1200" dirty="0" err="1" smtClean="0"/>
+            <a:rPr lang="en-US" sz="1600" b="1" kern="1200" noProof="0" dirty="0" smtClean="0"/>
             <a:t>Ethics</a:t>
           </a:r>
-          <a:endParaRPr lang="fr-CH" sz="1600" b="1" kern="1200" dirty="0"/>
+          <a:endParaRPr lang="en-US" sz="1600" b="1" kern="1200" noProof="0" dirty="0"/>
         </a:p>
       </dsp:txBody>
       <dsp:txXfrm>
@@ -8789,10 +8645,10 @@
             </a:spcAft>
           </a:pPr>
           <a:r>
-            <a:rPr lang="fr-CH" sz="1600" b="1" kern="1200" dirty="0" err="1" smtClean="0"/>
-            <a:t>Tracability</a:t>
+            <a:rPr lang="en-US" sz="1600" b="1" kern="1200" noProof="0" dirty="0" smtClean="0"/>
+            <a:t>Traceability</a:t>
           </a:r>
-          <a:endParaRPr lang="fr-CH" sz="1600" b="1" kern="1200" dirty="0"/>
+          <a:endParaRPr lang="en-US" sz="1600" b="1" kern="1200" noProof="0" dirty="0"/>
         </a:p>
       </dsp:txBody>
       <dsp:txXfrm>
@@ -8856,9 +8712,10 @@
             </a:spcAft>
           </a:pPr>
           <a:r>
-            <a:rPr sz="1200" b="1" kern="1200" dirty="0"/>
+            <a:rPr lang="en-US" sz="1200" b="1" kern="1200" noProof="0" dirty="0" smtClean="0"/>
             <a:t>Customer Relationships</a:t>
           </a:r>
+          <a:endParaRPr lang="en-US" sz="1200" b="1" kern="1200" noProof="0" dirty="0"/>
         </a:p>
       </dsp:txBody>
       <dsp:txXfrm>
@@ -8925,22 +8782,10 @@
             </a:spcAft>
           </a:pPr>
           <a:r>
-            <a:rPr lang="fr-CH" sz="1600" b="1" kern="1200" dirty="0" err="1" smtClean="0"/>
-            <a:t>Loyality</a:t>
+            <a:rPr lang="en-US" sz="1600" b="1" kern="1200" noProof="0" dirty="0" smtClean="0"/>
+            <a:t>Loyalty program (Switcher friends)</a:t>
           </a:r>
-          <a:r>
-            <a:rPr lang="fr-CH" sz="1600" b="1" kern="1200" dirty="0" smtClean="0"/>
-            <a:t> program (Switcher </a:t>
-          </a:r>
-          <a:r>
-            <a:rPr lang="fr-CH" sz="1600" b="1" kern="1200" dirty="0" err="1" smtClean="0"/>
-            <a:t>friends</a:t>
-          </a:r>
-          <a:r>
-            <a:rPr lang="fr-CH" sz="1600" b="1" kern="1200" dirty="0" smtClean="0"/>
-            <a:t>)</a:t>
-          </a:r>
-          <a:endParaRPr lang="fr-CH" sz="1600" b="1" kern="1200" dirty="0"/>
+          <a:endParaRPr lang="en-US" sz="1600" b="1" kern="1200" noProof="0" dirty="0"/>
         </a:p>
       </dsp:txBody>
       <dsp:txXfrm>
@@ -9007,10 +8852,10 @@
             </a:spcAft>
           </a:pPr>
           <a:r>
-            <a:rPr lang="fr-CH" sz="1600" b="1" kern="1200" dirty="0" smtClean="0"/>
+            <a:rPr lang="en-US" sz="1600" b="1" kern="1200" noProof="0" dirty="0" smtClean="0"/>
             <a:t>Event sponsoring</a:t>
           </a:r>
-          <a:endParaRPr lang="fr-CH" sz="1600" b="1" kern="1200" dirty="0"/>
+          <a:endParaRPr lang="en-US" sz="1600" b="1" kern="1200" noProof="0" dirty="0"/>
         </a:p>
       </dsp:txBody>
       <dsp:txXfrm>
@@ -9074,9 +8919,10 @@
             </a:spcAft>
           </a:pPr>
           <a:r>
-            <a:rPr sz="1200" b="1" kern="1200" dirty="0"/>
+            <a:rPr lang="en-US" sz="1200" b="1" kern="1200" noProof="0" dirty="0" smtClean="0"/>
             <a:t>Customer Segments</a:t>
           </a:r>
+          <a:endParaRPr lang="en-US" sz="1200" b="1" kern="1200" noProof="0" dirty="0"/>
         </a:p>
       </dsp:txBody>
       <dsp:txXfrm>
@@ -9143,10 +8989,10 @@
             </a:spcAft>
           </a:pPr>
           <a:r>
-            <a:rPr lang="fr-CH" sz="1600" b="1" kern="1200" dirty="0" err="1" smtClean="0"/>
+            <a:rPr lang="en-US" sz="1600" b="1" kern="1200" noProof="0" dirty="0" smtClean="0"/>
             <a:t>Families</a:t>
           </a:r>
-          <a:endParaRPr lang="fr-CH" sz="1600" b="1" kern="1200" dirty="0"/>
+          <a:endParaRPr lang="en-US" sz="1600" b="1" kern="1200" noProof="0" dirty="0"/>
         </a:p>
       </dsp:txBody>
       <dsp:txXfrm>
@@ -9213,10 +9059,10 @@
             </a:spcAft>
           </a:pPr>
           <a:r>
-            <a:rPr lang="fr-CH" sz="1600" b="1" kern="1200" dirty="0" smtClean="0"/>
+            <a:rPr lang="en-US" sz="1600" b="1" kern="1200" noProof="0" dirty="0" smtClean="0"/>
             <a:t>Clubs</a:t>
           </a:r>
-          <a:endParaRPr lang="fr-CH" sz="1600" b="1" kern="1200" dirty="0"/>
+          <a:endParaRPr lang="en-US" sz="1600" b="1" kern="1200" noProof="0" dirty="0"/>
         </a:p>
       </dsp:txBody>
       <dsp:txXfrm>
@@ -9283,10 +9129,10 @@
             </a:spcAft>
           </a:pPr>
           <a:r>
-            <a:rPr lang="fr-CH" sz="1600" b="1" kern="1200" dirty="0" err="1" smtClean="0"/>
+            <a:rPr lang="en-US" sz="1600" b="1" kern="1200" noProof="0" dirty="0" smtClean="0"/>
             <a:t>Enterprises</a:t>
           </a:r>
-          <a:endParaRPr lang="fr-CH" sz="1600" b="1" kern="1200" dirty="0"/>
+          <a:endParaRPr lang="en-US" sz="1600" b="1" kern="1200" noProof="0" dirty="0"/>
         </a:p>
       </dsp:txBody>
       <dsp:txXfrm>
@@ -9353,10 +9199,10 @@
             </a:spcAft>
           </a:pPr>
           <a:r>
-            <a:rPr lang="fr-CH" sz="1600" b="1" kern="1200" dirty="0" smtClean="0"/>
+            <a:rPr lang="en-US" sz="1600" b="1" kern="1200" noProof="0" dirty="0" smtClean="0"/>
             <a:t>Events</a:t>
           </a:r>
-          <a:endParaRPr lang="fr-CH" sz="1600" b="1" kern="1200" dirty="0"/>
+          <a:endParaRPr lang="en-US" sz="1600" b="1" kern="1200" noProof="0" dirty="0"/>
         </a:p>
       </dsp:txBody>
       <dsp:txXfrm>
@@ -9423,26 +9269,10 @@
             </a:spcAft>
           </a:pPr>
           <a:r>
-            <a:rPr lang="fr-CH" sz="1600" b="1" kern="1200" dirty="0" err="1" smtClean="0"/>
-            <a:t>Sustainable</a:t>
+            <a:rPr lang="en-US" sz="1600" b="1" kern="1200" noProof="0" dirty="0" smtClean="0"/>
+            <a:t>Sustainable aware buyers</a:t>
           </a:r>
-          <a:r>
-            <a:rPr lang="fr-CH" sz="1600" b="1" kern="1200" dirty="0" smtClean="0"/>
-            <a:t> </a:t>
-          </a:r>
-          <a:r>
-            <a:rPr lang="fr-CH" sz="1600" b="1" kern="1200" dirty="0" err="1" smtClean="0"/>
-            <a:t>aware</a:t>
-          </a:r>
-          <a:r>
-            <a:rPr lang="fr-CH" sz="1600" b="1" kern="1200" dirty="0" smtClean="0"/>
-            <a:t> </a:t>
-          </a:r>
-          <a:r>
-            <a:rPr lang="fr-CH" sz="1600" b="1" kern="1200" dirty="0" err="1" smtClean="0"/>
-            <a:t>buyers</a:t>
-          </a:r>
-          <a:endParaRPr lang="fr-CH" sz="1600" b="1" kern="1200" dirty="0"/>
+          <a:endParaRPr lang="en-US" sz="1600" b="1" kern="1200" noProof="0" dirty="0"/>
         </a:p>
       </dsp:txBody>
       <dsp:txXfrm>
@@ -9506,9 +9336,10 @@
             </a:spcAft>
           </a:pPr>
           <a:r>
-            <a:rPr sz="1200" b="1" kern="1200" dirty="0"/>
+            <a:rPr lang="en-US" sz="1200" b="1" kern="1200" noProof="0" dirty="0" smtClean="0"/>
             <a:t>Key Resources</a:t>
           </a:r>
+          <a:endParaRPr lang="en-US" sz="1200" b="1" kern="1200" noProof="0" dirty="0"/>
         </a:p>
       </dsp:txBody>
       <dsp:txXfrm>
@@ -9575,18 +9406,10 @@
             </a:spcAft>
           </a:pPr>
           <a:r>
-            <a:rPr lang="fr-CH" sz="1600" b="1" kern="1200" dirty="0" smtClean="0"/>
-            <a:t>Custom ERP (</a:t>
+            <a:rPr lang="en-US" sz="1600" b="1" kern="1200" noProof="0" dirty="0" smtClean="0"/>
+            <a:t>Custom ERP (Kookaburra)</a:t>
           </a:r>
-          <a:r>
-            <a:rPr lang="fr-CH" sz="1600" b="1" kern="1200" dirty="0" err="1" smtClean="0"/>
-            <a:t>Kookaburra</a:t>
-          </a:r>
-          <a:r>
-            <a:rPr lang="fr-CH" sz="1600" b="1" kern="1200" dirty="0" smtClean="0"/>
-            <a:t>)</a:t>
-          </a:r>
-          <a:endParaRPr lang="fr-CH" sz="1600" b="1" kern="1200" dirty="0"/>
+          <a:endParaRPr lang="en-US" sz="1600" b="1" kern="1200" noProof="0" dirty="0"/>
         </a:p>
       </dsp:txBody>
       <dsp:txXfrm>
@@ -9653,14 +9476,14 @@
             </a:spcAft>
           </a:pPr>
           <a:r>
-            <a:rPr lang="fr-CH" sz="1600" b="1" kern="1200" dirty="0" err="1" smtClean="0"/>
+            <a:rPr lang="en-US" sz="1600" b="1" kern="1200" noProof="0" dirty="0" err="1" smtClean="0"/>
             <a:t>PoS</a:t>
           </a:r>
           <a:r>
-            <a:rPr lang="fr-CH" sz="1600" b="1" kern="1200" dirty="0" smtClean="0"/>
+            <a:rPr lang="en-US" sz="1600" b="1" kern="1200" noProof="0" dirty="0" smtClean="0"/>
             <a:t> System</a:t>
           </a:r>
-          <a:endParaRPr lang="fr-CH" sz="1600" b="1" kern="1200" dirty="0"/>
+          <a:endParaRPr lang="en-US" sz="1600" b="1" kern="1200" noProof="0" dirty="0"/>
         </a:p>
       </dsp:txBody>
       <dsp:txXfrm>
@@ -9724,9 +9547,10 @@
             </a:spcAft>
           </a:pPr>
           <a:r>
-            <a:rPr sz="1200" b="1" kern="1200"/>
+            <a:rPr lang="en-US" sz="1200" b="1" kern="1200" noProof="0" dirty="0" smtClean="0"/>
             <a:t>Channels</a:t>
           </a:r>
+          <a:endParaRPr lang="en-US" sz="1200" b="1" kern="1200" noProof="0" dirty="0"/>
         </a:p>
       </dsp:txBody>
       <dsp:txXfrm>
@@ -9793,10 +9617,10 @@
             </a:spcAft>
           </a:pPr>
           <a:r>
-            <a:rPr lang="fr-CH" sz="1600" b="1" kern="1200" dirty="0" smtClean="0"/>
+            <a:rPr lang="en-US" sz="1600" b="1" kern="1200" noProof="0" dirty="0" smtClean="0"/>
             <a:t>Internet</a:t>
           </a:r>
-          <a:endParaRPr lang="fr-CH" sz="1600" b="1" kern="1200" dirty="0"/>
+          <a:endParaRPr lang="en-US" sz="1600" b="1" kern="1200" noProof="0" dirty="0"/>
         </a:p>
       </dsp:txBody>
       <dsp:txXfrm>
@@ -9863,10 +9687,10 @@
             </a:spcAft>
           </a:pPr>
           <a:r>
-            <a:rPr lang="fr-CH" sz="1600" b="1" kern="1200" dirty="0" smtClean="0"/>
+            <a:rPr lang="en-US" sz="1600" b="1" kern="1200" noProof="0" dirty="0" smtClean="0"/>
             <a:t>Stores</a:t>
           </a:r>
-          <a:endParaRPr lang="fr-CH" sz="1600" b="1" kern="1200" dirty="0"/>
+          <a:endParaRPr lang="en-US" sz="1600" b="1" kern="1200" noProof="0" dirty="0"/>
         </a:p>
       </dsp:txBody>
       <dsp:txXfrm>
@@ -9933,10 +9757,10 @@
             </a:spcAft>
           </a:pPr>
           <a:r>
-            <a:rPr lang="fr-CH" sz="1600" b="1" kern="1200" dirty="0" smtClean="0"/>
+            <a:rPr lang="en-US" sz="1600" b="1" kern="1200" noProof="0" dirty="0" smtClean="0"/>
             <a:t>Printers</a:t>
           </a:r>
-          <a:endParaRPr lang="fr-CH" sz="1600" b="1" kern="1200" dirty="0"/>
+          <a:endParaRPr lang="en-US" sz="1600" b="1" kern="1200" noProof="0" dirty="0"/>
         </a:p>
       </dsp:txBody>
       <dsp:txXfrm>
@@ -10000,9 +9824,10 @@
             </a:spcAft>
           </a:pPr>
           <a:r>
-            <a:rPr sz="1200" b="1" kern="1200"/>
+            <a:rPr lang="en-US" sz="1200" b="1" kern="1200" noProof="0" dirty="0" smtClean="0"/>
             <a:t>Cost Structure</a:t>
           </a:r>
+          <a:endParaRPr lang="en-US" sz="1200" b="1" kern="1200" noProof="0" dirty="0"/>
         </a:p>
       </dsp:txBody>
       <dsp:txXfrm>
@@ -10069,18 +9894,10 @@
             </a:spcAft>
           </a:pPr>
           <a:r>
-            <a:rPr lang="fr-CH" sz="1600" b="1" kern="1200" dirty="0" err="1" smtClean="0"/>
-            <a:t>Garment</a:t>
+            <a:rPr lang="en-US" sz="1600" b="1" kern="1200" noProof="0" dirty="0" smtClean="0"/>
+            <a:t>Garment manufacture</a:t>
           </a:r>
-          <a:r>
-            <a:rPr lang="fr-CH" sz="1600" b="1" kern="1200" dirty="0" smtClean="0"/>
-            <a:t> </a:t>
-          </a:r>
-          <a:r>
-            <a:rPr lang="fr-CH" sz="1600" b="1" kern="1200" dirty="0" err="1" smtClean="0"/>
-            <a:t>manfacture</a:t>
-          </a:r>
-          <a:endParaRPr lang="fr-CH" sz="1600" b="1" kern="1200" dirty="0"/>
+          <a:endParaRPr lang="en-US" sz="1600" b="1" kern="1200" noProof="0" dirty="0"/>
         </a:p>
       </dsp:txBody>
       <dsp:txXfrm>
@@ -10147,18 +9964,14 @@
             </a:spcAft>
           </a:pPr>
           <a:r>
-            <a:rPr lang="fr-CH" sz="1600" b="1" kern="1200" dirty="0" err="1" smtClean="0"/>
-            <a:t>Quality</a:t>
+            <a:rPr lang="en-US" sz="1600" b="1" kern="1200" noProof="0" dirty="0" smtClean="0"/>
+            <a:t>Quality and certification </a:t>
           </a:r>
           <a:r>
-            <a:rPr lang="fr-CH" sz="1600" b="1" kern="1200" dirty="0" smtClean="0"/>
-            <a:t> and certification </a:t>
-          </a:r>
-          <a:r>
-            <a:rPr lang="fr-CH" sz="1600" b="1" kern="1200" dirty="0" err="1" smtClean="0"/>
+            <a:rPr lang="en-US" sz="1600" b="1" kern="1200" noProof="0" dirty="0" err="1" smtClean="0"/>
             <a:t>mgmt</a:t>
           </a:r>
-          <a:endParaRPr lang="fr-CH" sz="1600" b="1" kern="1200" dirty="0"/>
+          <a:endParaRPr lang="en-US" sz="1600" b="1" kern="1200" noProof="0" dirty="0"/>
         </a:p>
       </dsp:txBody>
       <dsp:txXfrm>
@@ -10225,10 +10038,10 @@
             </a:spcAft>
           </a:pPr>
           <a:r>
-            <a:rPr lang="fr-CH" sz="1600" b="1" kern="1200" dirty="0" smtClean="0"/>
+            <a:rPr lang="en-US" sz="1600" b="1" kern="1200" noProof="0" dirty="0" smtClean="0"/>
             <a:t>Partner coordination</a:t>
           </a:r>
-          <a:endParaRPr lang="fr-CH" sz="1600" b="1" kern="1200" dirty="0"/>
+          <a:endParaRPr lang="en-US" sz="1600" b="1" kern="1200" noProof="0" dirty="0"/>
         </a:p>
       </dsp:txBody>
       <dsp:txXfrm>
@@ -10295,14 +10108,14 @@
             </a:spcAft>
           </a:pPr>
           <a:r>
-            <a:rPr lang="fr-CH" sz="1600" b="1" kern="1200" dirty="0" smtClean="0"/>
+            <a:rPr lang="en-US" sz="1600" b="1" kern="1200" noProof="0" dirty="0" smtClean="0"/>
             <a:t>Brand </a:t>
           </a:r>
           <a:r>
-            <a:rPr lang="fr-CH" sz="1600" b="1" kern="1200" dirty="0" err="1" smtClean="0"/>
+            <a:rPr lang="en-US" sz="1600" b="1" kern="1200" noProof="0" dirty="0" err="1" smtClean="0"/>
             <a:t>mgmt</a:t>
           </a:r>
-          <a:endParaRPr lang="fr-CH" sz="1600" b="1" kern="1200" dirty="0"/>
+          <a:endParaRPr lang="en-US" sz="1600" b="1" kern="1200" noProof="0" dirty="0"/>
         </a:p>
       </dsp:txBody>
       <dsp:txXfrm>
@@ -10366,9 +10179,10 @@
             </a:spcAft>
           </a:pPr>
           <a:r>
-            <a:rPr sz="1200" b="1" kern="1200" dirty="0"/>
+            <a:rPr lang="en-US" sz="1200" b="1" kern="1200" noProof="0" dirty="0" smtClean="0"/>
             <a:t>Revenue Streams</a:t>
           </a:r>
+          <a:endParaRPr lang="en-US" sz="1200" b="1" kern="1200" noProof="0" dirty="0"/>
         </a:p>
       </dsp:txBody>
       <dsp:txXfrm>
@@ -10435,14 +10249,10 @@
             </a:spcAft>
           </a:pPr>
           <a:r>
-            <a:rPr lang="fr-CH" sz="1600" b="1" kern="1200" dirty="0" err="1" smtClean="0"/>
-            <a:t>Garment</a:t>
+            <a:rPr lang="en-US" sz="1600" b="1" kern="1200" noProof="0" dirty="0" smtClean="0"/>
+            <a:t>Garment sales</a:t>
           </a:r>
-          <a:r>
-            <a:rPr lang="fr-CH" sz="1600" b="1" kern="1200" dirty="0" smtClean="0"/>
-            <a:t> sales</a:t>
-          </a:r>
-          <a:endParaRPr lang="fr-CH" sz="1600" b="1" kern="1200" dirty="0"/>
+          <a:endParaRPr lang="en-US" sz="1600" b="1" kern="1200" noProof="0" dirty="0"/>
         </a:p>
       </dsp:txBody>
       <dsp:txXfrm>
@@ -10502,7 +10312,7 @@
               <a:spcPct val="35000"/>
             </a:spcAft>
           </a:pPr>
-          <a:endParaRPr lang="fr-CH" sz="1200" kern="1200" dirty="0"/>
+          <a:endParaRPr lang="en-US" sz="1200" kern="1200" noProof="0" dirty="0"/>
         </a:p>
       </dsp:txBody>
       <dsp:txXfrm>
@@ -10561,1293 +10371,6 @@
       <dsp:cNvGrpSpPr/>
     </dsp:nvGrpSpPr>
     <dsp:grpSpPr/>
-    <dsp:sp modelId="{86B5BC96-558E-4F09-8C39-49D64EDCB729}">
-      <dsp:nvSpPr>
-        <dsp:cNvPr id="0" name=""/>
-        <dsp:cNvSpPr/>
-      </dsp:nvSpPr>
-      <dsp:spPr>
-        <a:xfrm>
-          <a:off x="0" y="33123"/>
-          <a:ext cx="1792999" cy="4372325"/>
-        </a:xfrm>
-        <a:prstGeom prst="rect">
-          <a:avLst/>
-        </a:prstGeom>
-        <a:solidFill>
-          <a:schemeClr val="lt1">
-            <a:hueOff val="0"/>
-            <a:satOff val="0"/>
-            <a:lumOff val="0"/>
-            <a:alphaOff val="0"/>
-          </a:schemeClr>
-        </a:solidFill>
-        <a:ln w="25400" cap="flat" cmpd="sng" algn="ctr">
-          <a:solidFill>
-            <a:schemeClr val="dk1">
-              <a:shade val="80000"/>
-              <a:hueOff val="0"/>
-              <a:satOff val="0"/>
-              <a:lumOff val="0"/>
-              <a:alphaOff val="0"/>
-            </a:schemeClr>
-          </a:solidFill>
-          <a:prstDash val="solid"/>
-        </a:ln>
-        <a:effectLst/>
-      </dsp:spPr>
-      <dsp:style>
-        <a:lnRef idx="2">
-          <a:scrgbClr r="0" g="0" b="0"/>
-        </a:lnRef>
-        <a:fillRef idx="1">
-          <a:scrgbClr r="0" g="0" b="0"/>
-        </a:fillRef>
-        <a:effectRef idx="0">
-          <a:scrgbClr r="0" g="0" b="0"/>
-        </a:effectRef>
-        <a:fontRef idx="minor">
-          <a:schemeClr val="lt1"/>
-        </a:fontRef>
-      </dsp:style>
-      <dsp:txBody>
-        <a:bodyPr spcFirstLastPara="0" vert="horz" wrap="square" lIns="85344" tIns="85344" rIns="85344" bIns="85344" numCol="1" spcCol="1270" anchor="ctr" anchorCtr="0">
-          <a:noAutofit/>
-        </a:bodyPr>
-        <a:lstStyle/>
-        <a:p>
-          <a:pPr lvl="0" algn="ctr" defTabSz="533400">
-            <a:lnSpc>
-              <a:spcPct val="90000"/>
-            </a:lnSpc>
-            <a:spcBef>
-              <a:spcPct val="0"/>
-            </a:spcBef>
-            <a:spcAft>
-              <a:spcPct val="35000"/>
-            </a:spcAft>
-          </a:pPr>
-          <a:r>
-            <a:rPr sz="1200" b="1" kern="1200" dirty="0"/>
-            <a:t>Key Partners</a:t>
-          </a:r>
-        </a:p>
-      </dsp:txBody>
-      <dsp:txXfrm>
-        <a:off x="0" y="33123"/>
-        <a:ext cx="1792999" cy="437232"/>
-      </dsp:txXfrm>
-    </dsp:sp>
-    <dsp:sp modelId="{7D4B30EF-E443-4A97-8E00-58A442D369D5}">
-      <dsp:nvSpPr>
-        <dsp:cNvPr id="0" name=""/>
-        <dsp:cNvSpPr/>
-      </dsp:nvSpPr>
-      <dsp:spPr>
-        <a:xfrm>
-          <a:off x="0" y="470356"/>
-          <a:ext cx="1792999" cy="3935093"/>
-        </a:xfrm>
-        <a:prstGeom prst="rect">
-          <a:avLst/>
-        </a:prstGeom>
-        <a:noFill/>
-        <a:ln w="25400" cap="flat" cmpd="sng" algn="ctr">
-          <a:noFill/>
-          <a:prstDash val="solid"/>
-        </a:ln>
-        <a:effectLst/>
-        <a:sp3d/>
-      </dsp:spPr>
-      <dsp:style>
-        <a:lnRef idx="2">
-          <a:scrgbClr r="0" g="0" b="0"/>
-        </a:lnRef>
-        <a:fillRef idx="1">
-          <a:scrgbClr r="0" g="0" b="0"/>
-        </a:fillRef>
-        <a:effectRef idx="0">
-          <a:scrgbClr r="0" g="0" b="0"/>
-        </a:effectRef>
-        <a:fontRef idx="minor">
-          <a:schemeClr val="lt1"/>
-        </a:fontRef>
-      </dsp:style>
-      <dsp:txBody>
-        <a:bodyPr spcFirstLastPara="0" vert="horz" wrap="square" lIns="85344" tIns="85344" rIns="85344" bIns="85344" numCol="1" spcCol="1270" anchor="t" anchorCtr="0">
-          <a:noAutofit/>
-        </a:bodyPr>
-        <a:lstStyle/>
-        <a:p>
-          <a:pPr marL="114300" lvl="1" indent="-114300" algn="l" defTabSz="533400">
-            <a:lnSpc>
-              <a:spcPct val="90000"/>
-            </a:lnSpc>
-            <a:spcBef>
-              <a:spcPct val="0"/>
-            </a:spcBef>
-            <a:spcAft>
-              <a:spcPct val="15000"/>
-            </a:spcAft>
-            <a:buChar char="••"/>
-          </a:pPr>
-          <a:endParaRPr lang="fr-CH" sz="1200" kern="1200"/>
-        </a:p>
-      </dsp:txBody>
-      <dsp:txXfrm>
-        <a:off x="0" y="470356"/>
-        <a:ext cx="1792999" cy="3935093"/>
-      </dsp:txXfrm>
-    </dsp:sp>
-    <dsp:sp modelId="{5A52ED35-92EB-497C-B5F0-FAFA8AF19107}">
-      <dsp:nvSpPr>
-        <dsp:cNvPr id="0" name=""/>
-        <dsp:cNvSpPr/>
-      </dsp:nvSpPr>
-      <dsp:spPr>
-        <a:xfrm>
-          <a:off x="1792999" y="33123"/>
-          <a:ext cx="1792999" cy="2186162"/>
-        </a:xfrm>
-        <a:prstGeom prst="rect">
-          <a:avLst/>
-        </a:prstGeom>
-        <a:solidFill>
-          <a:schemeClr val="lt1">
-            <a:hueOff val="0"/>
-            <a:satOff val="0"/>
-            <a:lumOff val="0"/>
-            <a:alphaOff val="0"/>
-          </a:schemeClr>
-        </a:solidFill>
-        <a:ln w="25400" cap="flat" cmpd="sng" algn="ctr">
-          <a:solidFill>
-            <a:schemeClr val="dk1">
-              <a:shade val="80000"/>
-              <a:hueOff val="0"/>
-              <a:satOff val="0"/>
-              <a:lumOff val="0"/>
-              <a:alphaOff val="0"/>
-            </a:schemeClr>
-          </a:solidFill>
-          <a:prstDash val="solid"/>
-        </a:ln>
-        <a:effectLst/>
-      </dsp:spPr>
-      <dsp:style>
-        <a:lnRef idx="2">
-          <a:scrgbClr r="0" g="0" b="0"/>
-        </a:lnRef>
-        <a:fillRef idx="1">
-          <a:scrgbClr r="0" g="0" b="0"/>
-        </a:fillRef>
-        <a:effectRef idx="0">
-          <a:scrgbClr r="0" g="0" b="0"/>
-        </a:effectRef>
-        <a:fontRef idx="minor">
-          <a:schemeClr val="lt1"/>
-        </a:fontRef>
-      </dsp:style>
-      <dsp:txBody>
-        <a:bodyPr spcFirstLastPara="0" vert="horz" wrap="square" lIns="85344" tIns="85344" rIns="85344" bIns="85344" numCol="1" spcCol="1270" anchor="ctr" anchorCtr="0">
-          <a:noAutofit/>
-        </a:bodyPr>
-        <a:lstStyle/>
-        <a:p>
-          <a:pPr lvl="0" algn="ctr" defTabSz="533400">
-            <a:lnSpc>
-              <a:spcPct val="90000"/>
-            </a:lnSpc>
-            <a:spcBef>
-              <a:spcPct val="0"/>
-            </a:spcBef>
-            <a:spcAft>
-              <a:spcPct val="35000"/>
-            </a:spcAft>
-          </a:pPr>
-          <a:r>
-            <a:rPr sz="1200" b="1" kern="1200"/>
-            <a:t>Key Activities</a:t>
-          </a:r>
-        </a:p>
-      </dsp:txBody>
-      <dsp:txXfrm>
-        <a:off x="1792999" y="33123"/>
-        <a:ext cx="1792999" cy="437232"/>
-      </dsp:txXfrm>
-    </dsp:sp>
-    <dsp:sp modelId="{2DA525DB-BD41-47A9-A947-90B334C4803A}">
-      <dsp:nvSpPr>
-        <dsp:cNvPr id="0" name=""/>
-        <dsp:cNvSpPr/>
-      </dsp:nvSpPr>
-      <dsp:spPr>
-        <a:xfrm>
-          <a:off x="1792999" y="470356"/>
-          <a:ext cx="1792999" cy="1748930"/>
-        </a:xfrm>
-        <a:prstGeom prst="rect">
-          <a:avLst/>
-        </a:prstGeom>
-        <a:noFill/>
-        <a:ln w="25400" cap="flat" cmpd="sng" algn="ctr">
-          <a:noFill/>
-          <a:prstDash val="solid"/>
-        </a:ln>
-        <a:effectLst/>
-        <a:sp3d/>
-      </dsp:spPr>
-      <dsp:style>
-        <a:lnRef idx="2">
-          <a:scrgbClr r="0" g="0" b="0"/>
-        </a:lnRef>
-        <a:fillRef idx="1">
-          <a:scrgbClr r="0" g="0" b="0"/>
-        </a:fillRef>
-        <a:effectRef idx="0">
-          <a:scrgbClr r="0" g="0" b="0"/>
-        </a:effectRef>
-        <a:fontRef idx="minor">
-          <a:schemeClr val="lt1"/>
-        </a:fontRef>
-      </dsp:style>
-      <dsp:txBody>
-        <a:bodyPr spcFirstLastPara="0" vert="horz" wrap="square" lIns="85344" tIns="85344" rIns="85344" bIns="85344" numCol="1" spcCol="1270" anchor="t" anchorCtr="0">
-          <a:noAutofit/>
-        </a:bodyPr>
-        <a:lstStyle/>
-        <a:p>
-          <a:pPr marL="114300" lvl="1" indent="-114300" algn="l" defTabSz="533400">
-            <a:lnSpc>
-              <a:spcPct val="90000"/>
-            </a:lnSpc>
-            <a:spcBef>
-              <a:spcPct val="0"/>
-            </a:spcBef>
-            <a:spcAft>
-              <a:spcPct val="15000"/>
-            </a:spcAft>
-            <a:buChar char="••"/>
-          </a:pPr>
-          <a:endParaRPr lang="fr-CH" sz="1200" kern="1200"/>
-        </a:p>
-        <a:p>
-          <a:pPr marL="114300" lvl="1" indent="-114300" algn="l" defTabSz="533400">
-            <a:lnSpc>
-              <a:spcPct val="90000"/>
-            </a:lnSpc>
-            <a:spcBef>
-              <a:spcPct val="0"/>
-            </a:spcBef>
-            <a:spcAft>
-              <a:spcPct val="15000"/>
-            </a:spcAft>
-            <a:buChar char="••"/>
-          </a:pPr>
-          <a:endParaRPr lang="fr-CH" sz="1200" kern="1200"/>
-        </a:p>
-        <a:p>
-          <a:pPr marL="114300" lvl="1" indent="-114300" algn="l" defTabSz="533400">
-            <a:lnSpc>
-              <a:spcPct val="90000"/>
-            </a:lnSpc>
-            <a:spcBef>
-              <a:spcPct val="0"/>
-            </a:spcBef>
-            <a:spcAft>
-              <a:spcPct val="15000"/>
-            </a:spcAft>
-            <a:buChar char="••"/>
-          </a:pPr>
-          <a:endParaRPr lang="fr-CH" sz="1200" kern="1200"/>
-        </a:p>
-        <a:p>
-          <a:pPr marL="114300" lvl="1" indent="-114300" algn="l" defTabSz="533400">
-            <a:lnSpc>
-              <a:spcPct val="90000"/>
-            </a:lnSpc>
-            <a:spcBef>
-              <a:spcPct val="0"/>
-            </a:spcBef>
-            <a:spcAft>
-              <a:spcPct val="15000"/>
-            </a:spcAft>
-            <a:buChar char="••"/>
-          </a:pPr>
-          <a:endParaRPr lang="fr-CH" sz="1200" kern="1200"/>
-        </a:p>
-      </dsp:txBody>
-      <dsp:txXfrm>
-        <a:off x="1792999" y="470356"/>
-        <a:ext cx="1792999" cy="1748930"/>
-      </dsp:txXfrm>
-    </dsp:sp>
-    <dsp:sp modelId="{20243BD6-8526-4CB5-98A9-AFB11D80F23C}">
-      <dsp:nvSpPr>
-        <dsp:cNvPr id="0" name=""/>
-        <dsp:cNvSpPr/>
-      </dsp:nvSpPr>
-      <dsp:spPr>
-        <a:xfrm>
-          <a:off x="3585998" y="33123"/>
-          <a:ext cx="1792999" cy="4372325"/>
-        </a:xfrm>
-        <a:prstGeom prst="rect">
-          <a:avLst/>
-        </a:prstGeom>
-        <a:solidFill>
-          <a:schemeClr val="lt1">
-            <a:hueOff val="0"/>
-            <a:satOff val="0"/>
-            <a:lumOff val="0"/>
-            <a:alphaOff val="0"/>
-          </a:schemeClr>
-        </a:solidFill>
-        <a:ln w="25400" cap="flat" cmpd="sng" algn="ctr">
-          <a:solidFill>
-            <a:schemeClr val="dk1">
-              <a:shade val="80000"/>
-              <a:hueOff val="0"/>
-              <a:satOff val="0"/>
-              <a:lumOff val="0"/>
-              <a:alphaOff val="0"/>
-            </a:schemeClr>
-          </a:solidFill>
-          <a:prstDash val="solid"/>
-        </a:ln>
-        <a:effectLst/>
-      </dsp:spPr>
-      <dsp:style>
-        <a:lnRef idx="2">
-          <a:scrgbClr r="0" g="0" b="0"/>
-        </a:lnRef>
-        <a:fillRef idx="1">
-          <a:scrgbClr r="0" g="0" b="0"/>
-        </a:fillRef>
-        <a:effectRef idx="0">
-          <a:scrgbClr r="0" g="0" b="0"/>
-        </a:effectRef>
-        <a:fontRef idx="minor">
-          <a:schemeClr val="lt1"/>
-        </a:fontRef>
-      </dsp:style>
-      <dsp:txBody>
-        <a:bodyPr spcFirstLastPara="0" vert="horz" wrap="square" lIns="85344" tIns="85344" rIns="85344" bIns="85344" numCol="1" spcCol="1270" anchor="ctr" anchorCtr="0">
-          <a:noAutofit/>
-        </a:bodyPr>
-        <a:lstStyle/>
-        <a:p>
-          <a:pPr lvl="0" algn="ctr" defTabSz="533400">
-            <a:lnSpc>
-              <a:spcPct val="90000"/>
-            </a:lnSpc>
-            <a:spcBef>
-              <a:spcPct val="0"/>
-            </a:spcBef>
-            <a:spcAft>
-              <a:spcPct val="35000"/>
-            </a:spcAft>
-          </a:pPr>
-          <a:r>
-            <a:rPr sz="1200" b="1" kern="1200"/>
-            <a:t>Value Propositions</a:t>
-          </a:r>
-        </a:p>
-      </dsp:txBody>
-      <dsp:txXfrm>
-        <a:off x="3585998" y="33123"/>
-        <a:ext cx="1792999" cy="437232"/>
-      </dsp:txXfrm>
-    </dsp:sp>
-    <dsp:sp modelId="{FD9E14DD-3CA3-4D2F-9523-786F567ABC38}">
-      <dsp:nvSpPr>
-        <dsp:cNvPr id="0" name=""/>
-        <dsp:cNvSpPr/>
-      </dsp:nvSpPr>
-      <dsp:spPr>
-        <a:xfrm>
-          <a:off x="3585998" y="470356"/>
-          <a:ext cx="1792999" cy="3935093"/>
-        </a:xfrm>
-        <a:prstGeom prst="rect">
-          <a:avLst/>
-        </a:prstGeom>
-        <a:noFill/>
-        <a:ln w="25400" cap="flat" cmpd="sng" algn="ctr">
-          <a:noFill/>
-          <a:prstDash val="solid"/>
-        </a:ln>
-        <a:effectLst/>
-        <a:sp3d/>
-      </dsp:spPr>
-      <dsp:style>
-        <a:lnRef idx="2">
-          <a:scrgbClr r="0" g="0" b="0"/>
-        </a:lnRef>
-        <a:fillRef idx="1">
-          <a:scrgbClr r="0" g="0" b="0"/>
-        </a:fillRef>
-        <a:effectRef idx="0">
-          <a:scrgbClr r="0" g="0" b="0"/>
-        </a:effectRef>
-        <a:fontRef idx="minor">
-          <a:schemeClr val="lt1"/>
-        </a:fontRef>
-      </dsp:style>
-      <dsp:txBody>
-        <a:bodyPr spcFirstLastPara="0" vert="horz" wrap="square" lIns="85344" tIns="85344" rIns="85344" bIns="85344" numCol="1" spcCol="1270" anchor="t" anchorCtr="0">
-          <a:noAutofit/>
-        </a:bodyPr>
-        <a:lstStyle/>
-        <a:p>
-          <a:pPr marL="114300" lvl="1" indent="-114300" algn="l" defTabSz="533400">
-            <a:lnSpc>
-              <a:spcPct val="90000"/>
-            </a:lnSpc>
-            <a:spcBef>
-              <a:spcPct val="0"/>
-            </a:spcBef>
-            <a:spcAft>
-              <a:spcPct val="15000"/>
-            </a:spcAft>
-            <a:buChar char="••"/>
-          </a:pPr>
-          <a:endParaRPr lang="fr-CH" sz="1200" kern="1200"/>
-        </a:p>
-      </dsp:txBody>
-      <dsp:txXfrm>
-        <a:off x="3585998" y="470356"/>
-        <a:ext cx="1792999" cy="3935093"/>
-      </dsp:txXfrm>
-    </dsp:sp>
-    <dsp:sp modelId="{352D139A-1C76-4765-A307-33DCEB83A5A3}">
-      <dsp:nvSpPr>
-        <dsp:cNvPr id="0" name=""/>
-        <dsp:cNvSpPr/>
-      </dsp:nvSpPr>
-      <dsp:spPr>
-        <a:xfrm>
-          <a:off x="5378997" y="33123"/>
-          <a:ext cx="1792999" cy="2186162"/>
-        </a:xfrm>
-        <a:prstGeom prst="rect">
-          <a:avLst/>
-        </a:prstGeom>
-        <a:solidFill>
-          <a:schemeClr val="lt1">
-            <a:hueOff val="0"/>
-            <a:satOff val="0"/>
-            <a:lumOff val="0"/>
-            <a:alphaOff val="0"/>
-          </a:schemeClr>
-        </a:solidFill>
-        <a:ln w="25400" cap="flat" cmpd="sng" algn="ctr">
-          <a:solidFill>
-            <a:schemeClr val="dk1">
-              <a:shade val="80000"/>
-              <a:hueOff val="0"/>
-              <a:satOff val="0"/>
-              <a:lumOff val="0"/>
-              <a:alphaOff val="0"/>
-            </a:schemeClr>
-          </a:solidFill>
-          <a:prstDash val="solid"/>
-        </a:ln>
-        <a:effectLst/>
-      </dsp:spPr>
-      <dsp:style>
-        <a:lnRef idx="2">
-          <a:scrgbClr r="0" g="0" b="0"/>
-        </a:lnRef>
-        <a:fillRef idx="1">
-          <a:scrgbClr r="0" g="0" b="0"/>
-        </a:fillRef>
-        <a:effectRef idx="0">
-          <a:scrgbClr r="0" g="0" b="0"/>
-        </a:effectRef>
-        <a:fontRef idx="minor">
-          <a:schemeClr val="lt1"/>
-        </a:fontRef>
-      </dsp:style>
-      <dsp:txBody>
-        <a:bodyPr spcFirstLastPara="0" vert="horz" wrap="square" lIns="85344" tIns="85344" rIns="85344" bIns="85344" numCol="1" spcCol="1270" anchor="ctr" anchorCtr="0">
-          <a:noAutofit/>
-        </a:bodyPr>
-        <a:lstStyle/>
-        <a:p>
-          <a:pPr lvl="0" algn="ctr" defTabSz="533400">
-            <a:lnSpc>
-              <a:spcPct val="90000"/>
-            </a:lnSpc>
-            <a:spcBef>
-              <a:spcPct val="0"/>
-            </a:spcBef>
-            <a:spcAft>
-              <a:spcPct val="35000"/>
-            </a:spcAft>
-          </a:pPr>
-          <a:r>
-            <a:rPr sz="1200" b="1" kern="1200"/>
-            <a:t>Customer Relationships</a:t>
-          </a:r>
-        </a:p>
-      </dsp:txBody>
-      <dsp:txXfrm>
-        <a:off x="5378997" y="33123"/>
-        <a:ext cx="1792999" cy="437232"/>
-      </dsp:txXfrm>
-    </dsp:sp>
-    <dsp:sp modelId="{724290DF-4111-4BA4-82FA-9094565E67F8}">
-      <dsp:nvSpPr>
-        <dsp:cNvPr id="0" name=""/>
-        <dsp:cNvSpPr/>
-      </dsp:nvSpPr>
-      <dsp:spPr>
-        <a:xfrm>
-          <a:off x="5378997" y="470356"/>
-          <a:ext cx="1792999" cy="1748930"/>
-        </a:xfrm>
-        <a:prstGeom prst="rect">
-          <a:avLst/>
-        </a:prstGeom>
-        <a:noFill/>
-        <a:ln w="25400" cap="flat" cmpd="sng" algn="ctr">
-          <a:noFill/>
-          <a:prstDash val="solid"/>
-        </a:ln>
-        <a:effectLst/>
-        <a:sp3d/>
-      </dsp:spPr>
-      <dsp:style>
-        <a:lnRef idx="2">
-          <a:scrgbClr r="0" g="0" b="0"/>
-        </a:lnRef>
-        <a:fillRef idx="1">
-          <a:scrgbClr r="0" g="0" b="0"/>
-        </a:fillRef>
-        <a:effectRef idx="0">
-          <a:scrgbClr r="0" g="0" b="0"/>
-        </a:effectRef>
-        <a:fontRef idx="minor">
-          <a:schemeClr val="lt1"/>
-        </a:fontRef>
-      </dsp:style>
-      <dsp:txBody>
-        <a:bodyPr spcFirstLastPara="0" vert="horz" wrap="square" lIns="85344" tIns="85344" rIns="85344" bIns="85344" numCol="1" spcCol="1270" anchor="t" anchorCtr="0">
-          <a:noAutofit/>
-        </a:bodyPr>
-        <a:lstStyle/>
-        <a:p>
-          <a:pPr marL="114300" lvl="1" indent="-114300" algn="l" defTabSz="533400">
-            <a:lnSpc>
-              <a:spcPct val="90000"/>
-            </a:lnSpc>
-            <a:spcBef>
-              <a:spcPct val="0"/>
-            </a:spcBef>
-            <a:spcAft>
-              <a:spcPct val="15000"/>
-            </a:spcAft>
-            <a:buChar char="••"/>
-          </a:pPr>
-          <a:endParaRPr lang="fr-CH" sz="1200" kern="1200"/>
-        </a:p>
-      </dsp:txBody>
-      <dsp:txXfrm>
-        <a:off x="5378997" y="470356"/>
-        <a:ext cx="1792999" cy="1748930"/>
-      </dsp:txXfrm>
-    </dsp:sp>
-    <dsp:sp modelId="{2A5BE760-1C77-41F5-8426-ADBE1EFF2277}">
-      <dsp:nvSpPr>
-        <dsp:cNvPr id="0" name=""/>
-        <dsp:cNvSpPr/>
-      </dsp:nvSpPr>
-      <dsp:spPr>
-        <a:xfrm>
-          <a:off x="7171996" y="33123"/>
-          <a:ext cx="1792999" cy="4372325"/>
-        </a:xfrm>
-        <a:prstGeom prst="rect">
-          <a:avLst/>
-        </a:prstGeom>
-        <a:solidFill>
-          <a:schemeClr val="lt1">
-            <a:hueOff val="0"/>
-            <a:satOff val="0"/>
-            <a:lumOff val="0"/>
-            <a:alphaOff val="0"/>
-          </a:schemeClr>
-        </a:solidFill>
-        <a:ln w="25400" cap="flat" cmpd="sng" algn="ctr">
-          <a:solidFill>
-            <a:schemeClr val="dk1">
-              <a:shade val="80000"/>
-              <a:hueOff val="0"/>
-              <a:satOff val="0"/>
-              <a:lumOff val="0"/>
-              <a:alphaOff val="0"/>
-            </a:schemeClr>
-          </a:solidFill>
-          <a:prstDash val="solid"/>
-        </a:ln>
-        <a:effectLst/>
-      </dsp:spPr>
-      <dsp:style>
-        <a:lnRef idx="2">
-          <a:scrgbClr r="0" g="0" b="0"/>
-        </a:lnRef>
-        <a:fillRef idx="1">
-          <a:scrgbClr r="0" g="0" b="0"/>
-        </a:fillRef>
-        <a:effectRef idx="0">
-          <a:scrgbClr r="0" g="0" b="0"/>
-        </a:effectRef>
-        <a:fontRef idx="minor">
-          <a:schemeClr val="lt1"/>
-        </a:fontRef>
-      </dsp:style>
-      <dsp:txBody>
-        <a:bodyPr spcFirstLastPara="0" vert="horz" wrap="square" lIns="85344" tIns="85344" rIns="85344" bIns="85344" numCol="1" spcCol="1270" anchor="ctr" anchorCtr="0">
-          <a:noAutofit/>
-        </a:bodyPr>
-        <a:lstStyle/>
-        <a:p>
-          <a:pPr lvl="0" algn="ctr" defTabSz="533400">
-            <a:lnSpc>
-              <a:spcPct val="90000"/>
-            </a:lnSpc>
-            <a:spcBef>
-              <a:spcPct val="0"/>
-            </a:spcBef>
-            <a:spcAft>
-              <a:spcPct val="35000"/>
-            </a:spcAft>
-          </a:pPr>
-          <a:r>
-            <a:rPr sz="1200" b="1" kern="1200"/>
-            <a:t>Customer Segments</a:t>
-          </a:r>
-        </a:p>
-      </dsp:txBody>
-      <dsp:txXfrm>
-        <a:off x="7171996" y="33123"/>
-        <a:ext cx="1792999" cy="437232"/>
-      </dsp:txXfrm>
-    </dsp:sp>
-    <dsp:sp modelId="{BD97A34C-F6FF-4A48-AF3C-9AB9317BBADD}">
-      <dsp:nvSpPr>
-        <dsp:cNvPr id="0" name=""/>
-        <dsp:cNvSpPr/>
-      </dsp:nvSpPr>
-      <dsp:spPr>
-        <a:xfrm>
-          <a:off x="7171996" y="470356"/>
-          <a:ext cx="1792999" cy="3935093"/>
-        </a:xfrm>
-        <a:prstGeom prst="rect">
-          <a:avLst/>
-        </a:prstGeom>
-        <a:noFill/>
-        <a:ln w="25400" cap="flat" cmpd="sng" algn="ctr">
-          <a:noFill/>
-          <a:prstDash val="solid"/>
-        </a:ln>
-        <a:effectLst/>
-        <a:sp3d/>
-      </dsp:spPr>
-      <dsp:style>
-        <a:lnRef idx="2">
-          <a:scrgbClr r="0" g="0" b="0"/>
-        </a:lnRef>
-        <a:fillRef idx="1">
-          <a:scrgbClr r="0" g="0" b="0"/>
-        </a:fillRef>
-        <a:effectRef idx="0">
-          <a:scrgbClr r="0" g="0" b="0"/>
-        </a:effectRef>
-        <a:fontRef idx="minor">
-          <a:schemeClr val="lt1"/>
-        </a:fontRef>
-      </dsp:style>
-      <dsp:txBody>
-        <a:bodyPr spcFirstLastPara="0" vert="horz" wrap="square" lIns="85344" tIns="85344" rIns="85344" bIns="85344" numCol="1" spcCol="1270" anchor="t" anchorCtr="0">
-          <a:noAutofit/>
-        </a:bodyPr>
-        <a:lstStyle/>
-        <a:p>
-          <a:pPr marL="114300" lvl="1" indent="-114300" algn="l" defTabSz="533400">
-            <a:lnSpc>
-              <a:spcPct val="90000"/>
-            </a:lnSpc>
-            <a:spcBef>
-              <a:spcPct val="0"/>
-            </a:spcBef>
-            <a:spcAft>
-              <a:spcPct val="15000"/>
-            </a:spcAft>
-            <a:buChar char="••"/>
-          </a:pPr>
-          <a:endParaRPr lang="fr-CH" sz="1200" kern="1200"/>
-        </a:p>
-      </dsp:txBody>
-      <dsp:txXfrm>
-        <a:off x="7171996" y="470356"/>
-        <a:ext cx="1792999" cy="3935093"/>
-      </dsp:txXfrm>
-    </dsp:sp>
-    <dsp:sp modelId="{98F60E13-AA40-470E-B77A-DD423194B256}">
-      <dsp:nvSpPr>
-        <dsp:cNvPr id="0" name=""/>
-        <dsp:cNvSpPr/>
-      </dsp:nvSpPr>
-      <dsp:spPr>
-        <a:xfrm>
-          <a:off x="1792999" y="2219286"/>
-          <a:ext cx="1792999" cy="2186162"/>
-        </a:xfrm>
-        <a:prstGeom prst="rect">
-          <a:avLst/>
-        </a:prstGeom>
-        <a:solidFill>
-          <a:schemeClr val="lt1">
-            <a:hueOff val="0"/>
-            <a:satOff val="0"/>
-            <a:lumOff val="0"/>
-            <a:alphaOff val="0"/>
-          </a:schemeClr>
-        </a:solidFill>
-        <a:ln w="25400" cap="flat" cmpd="sng" algn="ctr">
-          <a:solidFill>
-            <a:schemeClr val="dk1">
-              <a:shade val="80000"/>
-              <a:hueOff val="0"/>
-              <a:satOff val="0"/>
-              <a:lumOff val="0"/>
-              <a:alphaOff val="0"/>
-            </a:schemeClr>
-          </a:solidFill>
-          <a:prstDash val="solid"/>
-        </a:ln>
-        <a:effectLst/>
-      </dsp:spPr>
-      <dsp:style>
-        <a:lnRef idx="2">
-          <a:scrgbClr r="0" g="0" b="0"/>
-        </a:lnRef>
-        <a:fillRef idx="1">
-          <a:scrgbClr r="0" g="0" b="0"/>
-        </a:fillRef>
-        <a:effectRef idx="0">
-          <a:scrgbClr r="0" g="0" b="0"/>
-        </a:effectRef>
-        <a:fontRef idx="minor">
-          <a:schemeClr val="lt1"/>
-        </a:fontRef>
-      </dsp:style>
-      <dsp:txBody>
-        <a:bodyPr spcFirstLastPara="0" vert="horz" wrap="square" lIns="85344" tIns="85344" rIns="85344" bIns="85344" numCol="1" spcCol="1270" anchor="ctr" anchorCtr="0">
-          <a:noAutofit/>
-        </a:bodyPr>
-        <a:lstStyle/>
-        <a:p>
-          <a:pPr lvl="0" algn="ctr" defTabSz="533400">
-            <a:lnSpc>
-              <a:spcPct val="90000"/>
-            </a:lnSpc>
-            <a:spcBef>
-              <a:spcPct val="0"/>
-            </a:spcBef>
-            <a:spcAft>
-              <a:spcPct val="35000"/>
-            </a:spcAft>
-          </a:pPr>
-          <a:r>
-            <a:rPr sz="1200" b="1" kern="1200"/>
-            <a:t>Key Resources</a:t>
-          </a:r>
-        </a:p>
-      </dsp:txBody>
-      <dsp:txXfrm>
-        <a:off x="1792999" y="2219286"/>
-        <a:ext cx="1792999" cy="437232"/>
-      </dsp:txXfrm>
-    </dsp:sp>
-    <dsp:sp modelId="{3E759FA7-CAD5-499D-BE57-596EAE84655F}">
-      <dsp:nvSpPr>
-        <dsp:cNvPr id="0" name=""/>
-        <dsp:cNvSpPr/>
-      </dsp:nvSpPr>
-      <dsp:spPr>
-        <a:xfrm>
-          <a:off x="1792999" y="2656519"/>
-          <a:ext cx="1792999" cy="1748930"/>
-        </a:xfrm>
-        <a:prstGeom prst="rect">
-          <a:avLst/>
-        </a:prstGeom>
-        <a:noFill/>
-        <a:ln w="25400" cap="flat" cmpd="sng" algn="ctr">
-          <a:noFill/>
-          <a:prstDash val="solid"/>
-        </a:ln>
-        <a:effectLst/>
-        <a:sp3d/>
-      </dsp:spPr>
-      <dsp:style>
-        <a:lnRef idx="2">
-          <a:scrgbClr r="0" g="0" b="0"/>
-        </a:lnRef>
-        <a:fillRef idx="1">
-          <a:scrgbClr r="0" g="0" b="0"/>
-        </a:fillRef>
-        <a:effectRef idx="0">
-          <a:scrgbClr r="0" g="0" b="0"/>
-        </a:effectRef>
-        <a:fontRef idx="minor">
-          <a:schemeClr val="lt1"/>
-        </a:fontRef>
-      </dsp:style>
-      <dsp:txBody>
-        <a:bodyPr spcFirstLastPara="0" vert="horz" wrap="square" lIns="85344" tIns="85344" rIns="85344" bIns="85344" numCol="1" spcCol="1270" anchor="t" anchorCtr="0">
-          <a:noAutofit/>
-        </a:bodyPr>
-        <a:lstStyle/>
-        <a:p>
-          <a:pPr marL="114300" lvl="1" indent="-114300" algn="l" defTabSz="533400">
-            <a:lnSpc>
-              <a:spcPct val="90000"/>
-            </a:lnSpc>
-            <a:spcBef>
-              <a:spcPct val="0"/>
-            </a:spcBef>
-            <a:spcAft>
-              <a:spcPct val="15000"/>
-            </a:spcAft>
-            <a:buChar char="••"/>
-          </a:pPr>
-          <a:endParaRPr lang="fr-CH" sz="1200" kern="1200"/>
-        </a:p>
-      </dsp:txBody>
-      <dsp:txXfrm>
-        <a:off x="1792999" y="2656519"/>
-        <a:ext cx="1792999" cy="1748930"/>
-      </dsp:txXfrm>
-    </dsp:sp>
-    <dsp:sp modelId="{C0345F99-8D80-4DA7-AA6B-BD1FBD0A8C45}">
-      <dsp:nvSpPr>
-        <dsp:cNvPr id="0" name=""/>
-        <dsp:cNvSpPr/>
-      </dsp:nvSpPr>
-      <dsp:spPr>
-        <a:xfrm>
-          <a:off x="5378997" y="2219286"/>
-          <a:ext cx="1792999" cy="2186162"/>
-        </a:xfrm>
-        <a:prstGeom prst="rect">
-          <a:avLst/>
-        </a:prstGeom>
-        <a:solidFill>
-          <a:schemeClr val="lt1">
-            <a:hueOff val="0"/>
-            <a:satOff val="0"/>
-            <a:lumOff val="0"/>
-            <a:alphaOff val="0"/>
-          </a:schemeClr>
-        </a:solidFill>
-        <a:ln w="25400" cap="flat" cmpd="sng" algn="ctr">
-          <a:solidFill>
-            <a:schemeClr val="dk1">
-              <a:shade val="80000"/>
-              <a:hueOff val="0"/>
-              <a:satOff val="0"/>
-              <a:lumOff val="0"/>
-              <a:alphaOff val="0"/>
-            </a:schemeClr>
-          </a:solidFill>
-          <a:prstDash val="solid"/>
-        </a:ln>
-        <a:effectLst/>
-      </dsp:spPr>
-      <dsp:style>
-        <a:lnRef idx="2">
-          <a:scrgbClr r="0" g="0" b="0"/>
-        </a:lnRef>
-        <a:fillRef idx="1">
-          <a:scrgbClr r="0" g="0" b="0"/>
-        </a:fillRef>
-        <a:effectRef idx="0">
-          <a:scrgbClr r="0" g="0" b="0"/>
-        </a:effectRef>
-        <a:fontRef idx="minor">
-          <a:schemeClr val="lt1"/>
-        </a:fontRef>
-      </dsp:style>
-      <dsp:txBody>
-        <a:bodyPr spcFirstLastPara="0" vert="horz" wrap="square" lIns="85344" tIns="85344" rIns="85344" bIns="85344" numCol="1" spcCol="1270" anchor="ctr" anchorCtr="0">
-          <a:noAutofit/>
-        </a:bodyPr>
-        <a:lstStyle/>
-        <a:p>
-          <a:pPr lvl="0" algn="ctr" defTabSz="533400">
-            <a:lnSpc>
-              <a:spcPct val="90000"/>
-            </a:lnSpc>
-            <a:spcBef>
-              <a:spcPct val="0"/>
-            </a:spcBef>
-            <a:spcAft>
-              <a:spcPct val="35000"/>
-            </a:spcAft>
-          </a:pPr>
-          <a:r>
-            <a:rPr sz="1200" b="1" kern="1200"/>
-            <a:t>Channels</a:t>
-          </a:r>
-        </a:p>
-      </dsp:txBody>
-      <dsp:txXfrm>
-        <a:off x="5378997" y="2219286"/>
-        <a:ext cx="1792999" cy="437232"/>
-      </dsp:txXfrm>
-    </dsp:sp>
-    <dsp:sp modelId="{9E43B61B-319B-4FCB-8B65-44C31A2D0184}">
-      <dsp:nvSpPr>
-        <dsp:cNvPr id="0" name=""/>
-        <dsp:cNvSpPr/>
-      </dsp:nvSpPr>
-      <dsp:spPr>
-        <a:xfrm>
-          <a:off x="5378997" y="2656519"/>
-          <a:ext cx="1792999" cy="1748930"/>
-        </a:xfrm>
-        <a:prstGeom prst="rect">
-          <a:avLst/>
-        </a:prstGeom>
-        <a:noFill/>
-        <a:ln w="25400" cap="flat" cmpd="sng" algn="ctr">
-          <a:noFill/>
-          <a:prstDash val="solid"/>
-        </a:ln>
-        <a:effectLst/>
-        <a:sp3d/>
-      </dsp:spPr>
-      <dsp:style>
-        <a:lnRef idx="2">
-          <a:scrgbClr r="0" g="0" b="0"/>
-        </a:lnRef>
-        <a:fillRef idx="1">
-          <a:scrgbClr r="0" g="0" b="0"/>
-        </a:fillRef>
-        <a:effectRef idx="0">
-          <a:scrgbClr r="0" g="0" b="0"/>
-        </a:effectRef>
-        <a:fontRef idx="minor">
-          <a:schemeClr val="lt1"/>
-        </a:fontRef>
-      </dsp:style>
-      <dsp:txBody>
-        <a:bodyPr spcFirstLastPara="0" vert="horz" wrap="square" lIns="85344" tIns="85344" rIns="85344" bIns="85344" numCol="1" spcCol="1270" anchor="t" anchorCtr="0">
-          <a:noAutofit/>
-        </a:bodyPr>
-        <a:lstStyle/>
-        <a:p>
-          <a:pPr marL="114300" lvl="1" indent="-114300" algn="l" defTabSz="533400">
-            <a:lnSpc>
-              <a:spcPct val="90000"/>
-            </a:lnSpc>
-            <a:spcBef>
-              <a:spcPct val="0"/>
-            </a:spcBef>
-            <a:spcAft>
-              <a:spcPct val="15000"/>
-            </a:spcAft>
-            <a:buChar char="••"/>
-          </a:pPr>
-          <a:endParaRPr lang="fr-CH" sz="1200" kern="1200"/>
-        </a:p>
-      </dsp:txBody>
-      <dsp:txXfrm>
-        <a:off x="5378997" y="2656519"/>
-        <a:ext cx="1792999" cy="1748930"/>
-      </dsp:txXfrm>
-    </dsp:sp>
-    <dsp:sp modelId="{0517A83B-F5C6-4D8C-A78D-905B6774B851}">
-      <dsp:nvSpPr>
-        <dsp:cNvPr id="0" name=""/>
-        <dsp:cNvSpPr/>
-      </dsp:nvSpPr>
-      <dsp:spPr>
-        <a:xfrm>
-          <a:off x="0" y="4405449"/>
-          <a:ext cx="4482498" cy="2186162"/>
-        </a:xfrm>
-        <a:prstGeom prst="rect">
-          <a:avLst/>
-        </a:prstGeom>
-        <a:solidFill>
-          <a:schemeClr val="lt1">
-            <a:hueOff val="0"/>
-            <a:satOff val="0"/>
-            <a:lumOff val="0"/>
-            <a:alphaOff val="0"/>
-          </a:schemeClr>
-        </a:solidFill>
-        <a:ln w="25400" cap="flat" cmpd="sng" algn="ctr">
-          <a:solidFill>
-            <a:schemeClr val="dk1">
-              <a:shade val="80000"/>
-              <a:hueOff val="0"/>
-              <a:satOff val="0"/>
-              <a:lumOff val="0"/>
-              <a:alphaOff val="0"/>
-            </a:schemeClr>
-          </a:solidFill>
-          <a:prstDash val="solid"/>
-        </a:ln>
-        <a:effectLst/>
-      </dsp:spPr>
-      <dsp:style>
-        <a:lnRef idx="2">
-          <a:scrgbClr r="0" g="0" b="0"/>
-        </a:lnRef>
-        <a:fillRef idx="1">
-          <a:scrgbClr r="0" g="0" b="0"/>
-        </a:fillRef>
-        <a:effectRef idx="0">
-          <a:scrgbClr r="0" g="0" b="0"/>
-        </a:effectRef>
-        <a:fontRef idx="minor">
-          <a:schemeClr val="lt1"/>
-        </a:fontRef>
-      </dsp:style>
-      <dsp:txBody>
-        <a:bodyPr spcFirstLastPara="0" vert="horz" wrap="square" lIns="85344" tIns="85344" rIns="85344" bIns="85344" numCol="1" spcCol="1270" anchor="ctr" anchorCtr="0">
-          <a:noAutofit/>
-        </a:bodyPr>
-        <a:lstStyle/>
-        <a:p>
-          <a:pPr lvl="0" algn="ctr" defTabSz="533400">
-            <a:lnSpc>
-              <a:spcPct val="90000"/>
-            </a:lnSpc>
-            <a:spcBef>
-              <a:spcPct val="0"/>
-            </a:spcBef>
-            <a:spcAft>
-              <a:spcPct val="35000"/>
-            </a:spcAft>
-          </a:pPr>
-          <a:r>
-            <a:rPr sz="1200" b="1" kern="1200"/>
-            <a:t>Cost Structure</a:t>
-          </a:r>
-        </a:p>
-      </dsp:txBody>
-      <dsp:txXfrm>
-        <a:off x="0" y="4405449"/>
-        <a:ext cx="4482498" cy="437232"/>
-      </dsp:txXfrm>
-    </dsp:sp>
-    <dsp:sp modelId="{85CE2059-C9BA-497B-8563-0621F7EE0494}">
-      <dsp:nvSpPr>
-        <dsp:cNvPr id="0" name=""/>
-        <dsp:cNvSpPr/>
-      </dsp:nvSpPr>
-      <dsp:spPr>
-        <a:xfrm>
-          <a:off x="0" y="4842682"/>
-          <a:ext cx="4482498" cy="1748930"/>
-        </a:xfrm>
-        <a:prstGeom prst="rect">
-          <a:avLst/>
-        </a:prstGeom>
-        <a:noFill/>
-        <a:ln w="25400" cap="flat" cmpd="sng" algn="ctr">
-          <a:noFill/>
-          <a:prstDash val="solid"/>
-        </a:ln>
-        <a:effectLst/>
-        <a:sp3d/>
-      </dsp:spPr>
-      <dsp:style>
-        <a:lnRef idx="2">
-          <a:scrgbClr r="0" g="0" b="0"/>
-        </a:lnRef>
-        <a:fillRef idx="1">
-          <a:scrgbClr r="0" g="0" b="0"/>
-        </a:fillRef>
-        <a:effectRef idx="0">
-          <a:scrgbClr r="0" g="0" b="0"/>
-        </a:effectRef>
-        <a:fontRef idx="minor">
-          <a:schemeClr val="lt1"/>
-        </a:fontRef>
-      </dsp:style>
-      <dsp:txBody>
-        <a:bodyPr spcFirstLastPara="0" vert="horz" wrap="square" lIns="85344" tIns="85344" rIns="85344" bIns="85344" numCol="1" spcCol="1270" anchor="t" anchorCtr="0">
-          <a:noAutofit/>
-        </a:bodyPr>
-        <a:lstStyle/>
-        <a:p>
-          <a:pPr marL="114300" lvl="1" indent="-114300" algn="l" defTabSz="533400">
-            <a:lnSpc>
-              <a:spcPct val="90000"/>
-            </a:lnSpc>
-            <a:spcBef>
-              <a:spcPct val="0"/>
-            </a:spcBef>
-            <a:spcAft>
-              <a:spcPct val="15000"/>
-            </a:spcAft>
-            <a:buChar char="••"/>
-          </a:pPr>
-          <a:endParaRPr lang="fr-CH" sz="1200" kern="1200"/>
-        </a:p>
-      </dsp:txBody>
-      <dsp:txXfrm>
-        <a:off x="0" y="4842682"/>
-        <a:ext cx="4482498" cy="1748930"/>
-      </dsp:txXfrm>
-    </dsp:sp>
-    <dsp:sp modelId="{8C045033-EF70-4BAB-AFF7-6B36D2400289}">
-      <dsp:nvSpPr>
-        <dsp:cNvPr id="0" name=""/>
-        <dsp:cNvSpPr/>
-      </dsp:nvSpPr>
-      <dsp:spPr>
-        <a:xfrm>
-          <a:off x="4482498" y="4405449"/>
-          <a:ext cx="4482498" cy="2186162"/>
-        </a:xfrm>
-        <a:prstGeom prst="rect">
-          <a:avLst/>
-        </a:prstGeom>
-        <a:solidFill>
-          <a:schemeClr val="lt1">
-            <a:hueOff val="0"/>
-            <a:satOff val="0"/>
-            <a:lumOff val="0"/>
-            <a:alphaOff val="0"/>
-          </a:schemeClr>
-        </a:solidFill>
-        <a:ln w="25400" cap="flat" cmpd="sng" algn="ctr">
-          <a:solidFill>
-            <a:schemeClr val="dk1">
-              <a:shade val="80000"/>
-              <a:hueOff val="0"/>
-              <a:satOff val="0"/>
-              <a:lumOff val="0"/>
-              <a:alphaOff val="0"/>
-            </a:schemeClr>
-          </a:solidFill>
-          <a:prstDash val="solid"/>
-        </a:ln>
-        <a:effectLst/>
-      </dsp:spPr>
-      <dsp:style>
-        <a:lnRef idx="2">
-          <a:scrgbClr r="0" g="0" b="0"/>
-        </a:lnRef>
-        <a:fillRef idx="1">
-          <a:scrgbClr r="0" g="0" b="0"/>
-        </a:fillRef>
-        <a:effectRef idx="0">
-          <a:scrgbClr r="0" g="0" b="0"/>
-        </a:effectRef>
-        <a:fontRef idx="minor">
-          <a:schemeClr val="lt1"/>
-        </a:fontRef>
-      </dsp:style>
-      <dsp:txBody>
-        <a:bodyPr spcFirstLastPara="0" vert="horz" wrap="square" lIns="85344" tIns="85344" rIns="85344" bIns="85344" numCol="1" spcCol="1270" anchor="ctr" anchorCtr="0">
-          <a:noAutofit/>
-        </a:bodyPr>
-        <a:lstStyle/>
-        <a:p>
-          <a:pPr lvl="0" algn="ctr" defTabSz="533400">
-            <a:lnSpc>
-              <a:spcPct val="90000"/>
-            </a:lnSpc>
-            <a:spcBef>
-              <a:spcPct val="0"/>
-            </a:spcBef>
-            <a:spcAft>
-              <a:spcPct val="35000"/>
-            </a:spcAft>
-          </a:pPr>
-          <a:r>
-            <a:rPr sz="1200" b="1" kern="1200"/>
-            <a:t>Revenue Streams</a:t>
-          </a:r>
-        </a:p>
-      </dsp:txBody>
-      <dsp:txXfrm>
-        <a:off x="4482498" y="4405449"/>
-        <a:ext cx="4482498" cy="437232"/>
-      </dsp:txXfrm>
-    </dsp:sp>
-    <dsp:sp modelId="{2778925F-391E-4A48-B8CF-55AF9E2CC3FB}">
-      <dsp:nvSpPr>
-        <dsp:cNvPr id="0" name=""/>
-        <dsp:cNvSpPr/>
-      </dsp:nvSpPr>
-      <dsp:spPr>
-        <a:xfrm>
-          <a:off x="4482498" y="4842682"/>
-          <a:ext cx="4482498" cy="1748930"/>
-        </a:xfrm>
-        <a:prstGeom prst="rect">
-          <a:avLst/>
-        </a:prstGeom>
-        <a:noFill/>
-        <a:ln w="25400" cap="flat" cmpd="sng" algn="ctr">
-          <a:noFill/>
-          <a:prstDash val="solid"/>
-        </a:ln>
-        <a:effectLst/>
-        <a:sp3d/>
-      </dsp:spPr>
-      <dsp:style>
-        <a:lnRef idx="2">
-          <a:scrgbClr r="0" g="0" b="0"/>
-        </a:lnRef>
-        <a:fillRef idx="1">
-          <a:scrgbClr r="0" g="0" b="0"/>
-        </a:fillRef>
-        <a:effectRef idx="0">
-          <a:scrgbClr r="0" g="0" b="0"/>
-        </a:effectRef>
-        <a:fontRef idx="minor">
-          <a:schemeClr val="lt1"/>
-        </a:fontRef>
-      </dsp:style>
-      <dsp:txBody>
-        <a:bodyPr spcFirstLastPara="0" vert="horz" wrap="square" lIns="85344" tIns="85344" rIns="85344" bIns="85344" numCol="1" spcCol="1270" anchor="t" anchorCtr="0">
-          <a:noAutofit/>
-        </a:bodyPr>
-        <a:lstStyle/>
-        <a:p>
-          <a:pPr marL="114300" lvl="1" indent="-114300" algn="l" defTabSz="533400">
-            <a:lnSpc>
-              <a:spcPct val="90000"/>
-            </a:lnSpc>
-            <a:spcBef>
-              <a:spcPct val="0"/>
-            </a:spcBef>
-            <a:spcAft>
-              <a:spcPct val="15000"/>
-            </a:spcAft>
-            <a:buChar char="••"/>
-          </a:pPr>
-          <a:endParaRPr lang="fr-CH" sz="1200" kern="1200"/>
-        </a:p>
-      </dsp:txBody>
-      <dsp:txXfrm>
-        <a:off x="4482498" y="4842682"/>
-        <a:ext cx="4482498" cy="1748930"/>
-      </dsp:txXfrm>
-    </dsp:sp>
   </dsp:spTree>
 </dsp:drawing>
 </file>
@@ -11860,1374 +10383,6 @@
       <dsp:cNvGrpSpPr/>
     </dsp:nvGrpSpPr>
     <dsp:grpSpPr/>
-    <dsp:sp modelId="{92CC8711-4ECA-46AE-9BA6-A0E7944BAA14}">
-      <dsp:nvSpPr>
-        <dsp:cNvPr id="0" name=""/>
-        <dsp:cNvSpPr/>
-      </dsp:nvSpPr>
-      <dsp:spPr>
-        <a:xfrm>
-          <a:off x="0" y="31683"/>
-          <a:ext cx="1754499" cy="4182224"/>
-        </a:xfrm>
-        <a:prstGeom prst="rect">
-          <a:avLst/>
-        </a:prstGeom>
-        <a:solidFill>
-          <a:schemeClr val="lt1"/>
-        </a:solidFill>
-        <a:ln w="25400" cap="flat" cmpd="sng" algn="ctr">
-          <a:solidFill>
-            <a:schemeClr val="dk1"/>
-          </a:solidFill>
-          <a:prstDash val="solid"/>
-        </a:ln>
-        <a:effectLst/>
-      </dsp:spPr>
-      <dsp:style>
-        <a:lnRef idx="2">
-          <a:schemeClr val="dk1"/>
-        </a:lnRef>
-        <a:fillRef idx="1">
-          <a:schemeClr val="lt1"/>
-        </a:fillRef>
-        <a:effectRef idx="0">
-          <a:schemeClr val="dk1"/>
-        </a:effectRef>
-        <a:fontRef idx="minor">
-          <a:schemeClr val="dk1"/>
-        </a:fontRef>
-      </dsp:style>
-      <dsp:txBody>
-        <a:bodyPr spcFirstLastPara="0" vert="horz" wrap="square" lIns="85344" tIns="85344" rIns="85344" bIns="85344" numCol="1" spcCol="1270" anchor="ctr" anchorCtr="0">
-          <a:noAutofit/>
-        </a:bodyPr>
-        <a:lstStyle/>
-        <a:p>
-          <a:pPr lvl="0" algn="ctr" defTabSz="533400">
-            <a:lnSpc>
-              <a:spcPct val="90000"/>
-            </a:lnSpc>
-            <a:spcBef>
-              <a:spcPct val="0"/>
-            </a:spcBef>
-            <a:spcAft>
-              <a:spcPct val="35000"/>
-            </a:spcAft>
-          </a:pPr>
-          <a:r>
-            <a:rPr sz="1200" b="1" kern="1200"/>
-            <a:t>Key Partners</a:t>
-          </a:r>
-        </a:p>
-      </dsp:txBody>
-      <dsp:txXfrm>
-        <a:off x="0" y="31683"/>
-        <a:ext cx="1754499" cy="418222"/>
-      </dsp:txXfrm>
-    </dsp:sp>
-    <dsp:sp modelId="{3246754C-D45C-4D52-AB2C-C28B7D596300}">
-      <dsp:nvSpPr>
-        <dsp:cNvPr id="0" name=""/>
-        <dsp:cNvSpPr/>
-      </dsp:nvSpPr>
-      <dsp:spPr>
-        <a:xfrm>
-          <a:off x="87724" y="2061907"/>
-          <a:ext cx="1579049" cy="360000"/>
-        </a:xfrm>
-        <a:prstGeom prst="rect">
-          <a:avLst/>
-        </a:prstGeom>
-        <a:solidFill>
-          <a:schemeClr val="accent5">
-            <a:tint val="40000"/>
-            <a:alpha val="90000"/>
-            <a:hueOff val="0"/>
-            <a:satOff val="0"/>
-            <a:lumOff val="0"/>
-            <a:alphaOff val="0"/>
-          </a:schemeClr>
-        </a:solidFill>
-        <a:ln w="25400" cap="flat" cmpd="sng" algn="ctr">
-          <a:solidFill>
-            <a:schemeClr val="accent5">
-              <a:tint val="40000"/>
-              <a:alpha val="90000"/>
-              <a:hueOff val="0"/>
-              <a:satOff val="0"/>
-              <a:lumOff val="0"/>
-              <a:alphaOff val="0"/>
-            </a:schemeClr>
-          </a:solidFill>
-          <a:prstDash val="solid"/>
-        </a:ln>
-        <a:effectLst/>
-      </dsp:spPr>
-      <dsp:style>
-        <a:lnRef idx="2">
-          <a:scrgbClr r="0" g="0" b="0"/>
-        </a:lnRef>
-        <a:fillRef idx="1">
-          <a:scrgbClr r="0" g="0" b="0"/>
-        </a:fillRef>
-        <a:effectRef idx="0">
-          <a:scrgbClr r="0" g="0" b="0"/>
-        </a:effectRef>
-        <a:fontRef idx="minor"/>
-      </dsp:style>
-      <dsp:txBody>
-        <a:bodyPr spcFirstLastPara="0" vert="horz" wrap="square" lIns="42672" tIns="42672" rIns="42672" bIns="42672" numCol="1" spcCol="1270" anchor="ctr" anchorCtr="0">
-          <a:noAutofit/>
-        </a:bodyPr>
-        <a:lstStyle/>
-        <a:p>
-          <a:pPr lvl="0" algn="ctr" defTabSz="266700">
-            <a:lnSpc>
-              <a:spcPct val="90000"/>
-            </a:lnSpc>
-            <a:spcBef>
-              <a:spcPct val="0"/>
-            </a:spcBef>
-            <a:spcAft>
-              <a:spcPct val="35000"/>
-            </a:spcAft>
-          </a:pPr>
-          <a:endParaRPr lang="fr-CH" sz="600" kern="1200"/>
-        </a:p>
-      </dsp:txBody>
-      <dsp:txXfrm>
-        <a:off x="87724" y="2061907"/>
-        <a:ext cx="1579049" cy="360000"/>
-      </dsp:txXfrm>
-    </dsp:sp>
-    <dsp:sp modelId="{43342A20-6D62-4E20-B62F-0E5ED6C789B0}">
-      <dsp:nvSpPr>
-        <dsp:cNvPr id="0" name=""/>
-        <dsp:cNvSpPr/>
-      </dsp:nvSpPr>
-      <dsp:spPr>
-        <a:xfrm>
-          <a:off x="1754499" y="31683"/>
-          <a:ext cx="1754499" cy="2091112"/>
-        </a:xfrm>
-        <a:prstGeom prst="rect">
-          <a:avLst/>
-        </a:prstGeom>
-        <a:solidFill>
-          <a:schemeClr val="lt1"/>
-        </a:solidFill>
-        <a:ln w="25400" cap="flat" cmpd="sng" algn="ctr">
-          <a:solidFill>
-            <a:schemeClr val="dk1"/>
-          </a:solidFill>
-          <a:prstDash val="solid"/>
-        </a:ln>
-        <a:effectLst/>
-      </dsp:spPr>
-      <dsp:style>
-        <a:lnRef idx="2">
-          <a:schemeClr val="dk1"/>
-        </a:lnRef>
-        <a:fillRef idx="1">
-          <a:schemeClr val="lt1"/>
-        </a:fillRef>
-        <a:effectRef idx="0">
-          <a:schemeClr val="dk1"/>
-        </a:effectRef>
-        <a:fontRef idx="minor">
-          <a:schemeClr val="dk1"/>
-        </a:fontRef>
-      </dsp:style>
-      <dsp:txBody>
-        <a:bodyPr spcFirstLastPara="0" vert="horz" wrap="square" lIns="85344" tIns="85344" rIns="85344" bIns="85344" numCol="1" spcCol="1270" anchor="ctr" anchorCtr="0">
-          <a:noAutofit/>
-        </a:bodyPr>
-        <a:lstStyle/>
-        <a:p>
-          <a:pPr lvl="0" algn="ctr" defTabSz="533400">
-            <a:lnSpc>
-              <a:spcPct val="90000"/>
-            </a:lnSpc>
-            <a:spcBef>
-              <a:spcPct val="0"/>
-            </a:spcBef>
-            <a:spcAft>
-              <a:spcPct val="35000"/>
-            </a:spcAft>
-          </a:pPr>
-          <a:r>
-            <a:rPr sz="1200" b="1" kern="1200"/>
-            <a:t>Key Activities</a:t>
-          </a:r>
-        </a:p>
-      </dsp:txBody>
-      <dsp:txXfrm>
-        <a:off x="1754499" y="31683"/>
-        <a:ext cx="1754499" cy="418222"/>
-      </dsp:txXfrm>
-    </dsp:sp>
-    <dsp:sp modelId="{CD496C06-E47B-427A-A3B9-5121FA267037}">
-      <dsp:nvSpPr>
-        <dsp:cNvPr id="0" name=""/>
-        <dsp:cNvSpPr/>
-      </dsp:nvSpPr>
-      <dsp:spPr>
-        <a:xfrm>
-          <a:off x="1842224" y="1016350"/>
-          <a:ext cx="1579049" cy="360000"/>
-        </a:xfrm>
-        <a:prstGeom prst="rect">
-          <a:avLst/>
-        </a:prstGeom>
-        <a:solidFill>
-          <a:schemeClr val="accent5">
-            <a:tint val="40000"/>
-            <a:alpha val="90000"/>
-            <a:hueOff val="-1342560"/>
-            <a:satOff val="6032"/>
-            <a:lumOff val="415"/>
-            <a:alphaOff val="0"/>
-          </a:schemeClr>
-        </a:solidFill>
-        <a:ln w="25400" cap="flat" cmpd="sng" algn="ctr">
-          <a:solidFill>
-            <a:schemeClr val="accent5">
-              <a:tint val="40000"/>
-              <a:alpha val="90000"/>
-              <a:hueOff val="0"/>
-              <a:satOff val="0"/>
-              <a:lumOff val="0"/>
-              <a:alphaOff val="0"/>
-            </a:schemeClr>
-          </a:solidFill>
-          <a:prstDash val="solid"/>
-        </a:ln>
-        <a:effectLst/>
-      </dsp:spPr>
-      <dsp:style>
-        <a:lnRef idx="2">
-          <a:scrgbClr r="0" g="0" b="0"/>
-        </a:lnRef>
-        <a:fillRef idx="1">
-          <a:scrgbClr r="0" g="0" b="0"/>
-        </a:fillRef>
-        <a:effectRef idx="0">
-          <a:scrgbClr r="0" g="0" b="0"/>
-        </a:effectRef>
-        <a:fontRef idx="minor"/>
-      </dsp:style>
-      <dsp:txBody>
-        <a:bodyPr spcFirstLastPara="0" vert="horz" wrap="square" lIns="49784" tIns="49784" rIns="49784" bIns="49784" numCol="1" spcCol="1270" anchor="ctr" anchorCtr="0">
-          <a:noAutofit/>
-        </a:bodyPr>
-        <a:lstStyle/>
-        <a:p>
-          <a:pPr lvl="0" algn="ctr" defTabSz="311150">
-            <a:lnSpc>
-              <a:spcPct val="90000"/>
-            </a:lnSpc>
-            <a:spcBef>
-              <a:spcPct val="0"/>
-            </a:spcBef>
-            <a:spcAft>
-              <a:spcPct val="35000"/>
-            </a:spcAft>
-          </a:pPr>
-          <a:endParaRPr lang="fr-CH" sz="700" kern="1200"/>
-        </a:p>
-      </dsp:txBody>
-      <dsp:txXfrm>
-        <a:off x="1842224" y="1016350"/>
-        <a:ext cx="1579049" cy="360000"/>
-      </dsp:txXfrm>
-    </dsp:sp>
-    <dsp:sp modelId="{3DB2E03F-4541-415C-A72D-399ED7283CB1}">
-      <dsp:nvSpPr>
-        <dsp:cNvPr id="0" name=""/>
-        <dsp:cNvSpPr/>
-      </dsp:nvSpPr>
-      <dsp:spPr>
-        <a:xfrm>
-          <a:off x="3508999" y="31683"/>
-          <a:ext cx="1754499" cy="4182224"/>
-        </a:xfrm>
-        <a:prstGeom prst="rect">
-          <a:avLst/>
-        </a:prstGeom>
-        <a:solidFill>
-          <a:schemeClr val="lt1"/>
-        </a:solidFill>
-        <a:ln w="25400" cap="flat" cmpd="sng" algn="ctr">
-          <a:solidFill>
-            <a:schemeClr val="dk1"/>
-          </a:solidFill>
-          <a:prstDash val="solid"/>
-        </a:ln>
-        <a:effectLst/>
-      </dsp:spPr>
-      <dsp:style>
-        <a:lnRef idx="2">
-          <a:schemeClr val="dk1"/>
-        </a:lnRef>
-        <a:fillRef idx="1">
-          <a:schemeClr val="lt1"/>
-        </a:fillRef>
-        <a:effectRef idx="0">
-          <a:schemeClr val="dk1"/>
-        </a:effectRef>
-        <a:fontRef idx="minor">
-          <a:schemeClr val="dk1"/>
-        </a:fontRef>
-      </dsp:style>
-      <dsp:txBody>
-        <a:bodyPr spcFirstLastPara="0" vert="horz" wrap="square" lIns="85344" tIns="85344" rIns="85344" bIns="85344" numCol="1" spcCol="1270" anchor="ctr" anchorCtr="0">
-          <a:noAutofit/>
-        </a:bodyPr>
-        <a:lstStyle/>
-        <a:p>
-          <a:pPr lvl="0" algn="ctr" defTabSz="533400">
-            <a:lnSpc>
-              <a:spcPct val="90000"/>
-            </a:lnSpc>
-            <a:spcBef>
-              <a:spcPct val="0"/>
-            </a:spcBef>
-            <a:spcAft>
-              <a:spcPct val="35000"/>
-            </a:spcAft>
-          </a:pPr>
-          <a:r>
-            <a:rPr sz="1200" b="1" kern="1200"/>
-            <a:t>Value Propositions</a:t>
-          </a:r>
-        </a:p>
-      </dsp:txBody>
-      <dsp:txXfrm>
-        <a:off x="3508999" y="31683"/>
-        <a:ext cx="1754499" cy="418222"/>
-      </dsp:txXfrm>
-    </dsp:sp>
-    <dsp:sp modelId="{A84C1DAD-E238-4DED-A72D-EE11C6D74CC5}">
-      <dsp:nvSpPr>
-        <dsp:cNvPr id="0" name=""/>
-        <dsp:cNvSpPr/>
-      </dsp:nvSpPr>
-      <dsp:spPr>
-        <a:xfrm>
-          <a:off x="3596724" y="2061907"/>
-          <a:ext cx="1579049" cy="360000"/>
-        </a:xfrm>
-        <a:prstGeom prst="rect">
-          <a:avLst/>
-        </a:prstGeom>
-        <a:solidFill>
-          <a:schemeClr val="accent5">
-            <a:tint val="40000"/>
-            <a:alpha val="90000"/>
-            <a:hueOff val="-2685120"/>
-            <a:satOff val="12063"/>
-            <a:lumOff val="829"/>
-            <a:alphaOff val="0"/>
-          </a:schemeClr>
-        </a:solidFill>
-        <a:ln w="25400" cap="flat" cmpd="sng" algn="ctr">
-          <a:solidFill>
-            <a:schemeClr val="accent5">
-              <a:tint val="40000"/>
-              <a:alpha val="90000"/>
-              <a:hueOff val="0"/>
-              <a:satOff val="0"/>
-              <a:lumOff val="0"/>
-              <a:alphaOff val="0"/>
-            </a:schemeClr>
-          </a:solidFill>
-          <a:prstDash val="solid"/>
-        </a:ln>
-        <a:effectLst/>
-      </dsp:spPr>
-      <dsp:style>
-        <a:lnRef idx="2">
-          <a:scrgbClr r="0" g="0" b="0"/>
-        </a:lnRef>
-        <a:fillRef idx="1">
-          <a:scrgbClr r="0" g="0" b="0"/>
-        </a:fillRef>
-        <a:effectRef idx="0">
-          <a:scrgbClr r="0" g="0" b="0"/>
-        </a:effectRef>
-        <a:fontRef idx="minor"/>
-      </dsp:style>
-      <dsp:txBody>
-        <a:bodyPr spcFirstLastPara="0" vert="horz" wrap="square" lIns="42672" tIns="42672" rIns="42672" bIns="42672" numCol="1" spcCol="1270" anchor="ctr" anchorCtr="0">
-          <a:noAutofit/>
-        </a:bodyPr>
-        <a:lstStyle/>
-        <a:p>
-          <a:pPr lvl="0" algn="ctr" defTabSz="266700">
-            <a:lnSpc>
-              <a:spcPct val="90000"/>
-            </a:lnSpc>
-            <a:spcBef>
-              <a:spcPct val="0"/>
-            </a:spcBef>
-            <a:spcAft>
-              <a:spcPct val="35000"/>
-            </a:spcAft>
-          </a:pPr>
-          <a:endParaRPr lang="fr-CH" sz="600" kern="1200"/>
-        </a:p>
-      </dsp:txBody>
-      <dsp:txXfrm>
-        <a:off x="3596724" y="2061907"/>
-        <a:ext cx="1579049" cy="360000"/>
-      </dsp:txXfrm>
-    </dsp:sp>
-    <dsp:sp modelId="{F2BAAE71-8BA6-476C-9D94-3D8F43C14B0C}">
-      <dsp:nvSpPr>
-        <dsp:cNvPr id="0" name=""/>
-        <dsp:cNvSpPr/>
-      </dsp:nvSpPr>
-      <dsp:spPr>
-        <a:xfrm>
-          <a:off x="5263498" y="31683"/>
-          <a:ext cx="1754499" cy="2091112"/>
-        </a:xfrm>
-        <a:prstGeom prst="rect">
-          <a:avLst/>
-        </a:prstGeom>
-        <a:solidFill>
-          <a:schemeClr val="lt1"/>
-        </a:solidFill>
-        <a:ln w="25400" cap="flat" cmpd="sng" algn="ctr">
-          <a:solidFill>
-            <a:schemeClr val="dk1"/>
-          </a:solidFill>
-          <a:prstDash val="solid"/>
-        </a:ln>
-        <a:effectLst/>
-      </dsp:spPr>
-      <dsp:style>
-        <a:lnRef idx="2">
-          <a:schemeClr val="dk1"/>
-        </a:lnRef>
-        <a:fillRef idx="1">
-          <a:schemeClr val="lt1"/>
-        </a:fillRef>
-        <a:effectRef idx="0">
-          <a:schemeClr val="dk1"/>
-        </a:effectRef>
-        <a:fontRef idx="minor">
-          <a:schemeClr val="dk1"/>
-        </a:fontRef>
-      </dsp:style>
-      <dsp:txBody>
-        <a:bodyPr spcFirstLastPara="0" vert="horz" wrap="square" lIns="85344" tIns="85344" rIns="85344" bIns="85344" numCol="1" spcCol="1270" anchor="ctr" anchorCtr="0">
-          <a:noAutofit/>
-        </a:bodyPr>
-        <a:lstStyle/>
-        <a:p>
-          <a:pPr lvl="0" algn="ctr" defTabSz="533400">
-            <a:lnSpc>
-              <a:spcPct val="90000"/>
-            </a:lnSpc>
-            <a:spcBef>
-              <a:spcPct val="0"/>
-            </a:spcBef>
-            <a:spcAft>
-              <a:spcPct val="35000"/>
-            </a:spcAft>
-          </a:pPr>
-          <a:r>
-            <a:rPr sz="1200" b="1" kern="1200"/>
-            <a:t>Customer Relationships</a:t>
-          </a:r>
-        </a:p>
-      </dsp:txBody>
-      <dsp:txXfrm>
-        <a:off x="5263498" y="31683"/>
-        <a:ext cx="1754499" cy="418222"/>
-      </dsp:txXfrm>
-    </dsp:sp>
-    <dsp:sp modelId="{635718C6-F436-4084-B8EA-38F0E13FE419}">
-      <dsp:nvSpPr>
-        <dsp:cNvPr id="0" name=""/>
-        <dsp:cNvSpPr/>
-      </dsp:nvSpPr>
-      <dsp:spPr>
-        <a:xfrm>
-          <a:off x="5351223" y="1016350"/>
-          <a:ext cx="1579049" cy="360000"/>
-        </a:xfrm>
-        <a:prstGeom prst="rect">
-          <a:avLst/>
-        </a:prstGeom>
-        <a:solidFill>
-          <a:schemeClr val="accent5">
-            <a:tint val="40000"/>
-            <a:alpha val="90000"/>
-            <a:hueOff val="-4027680"/>
-            <a:satOff val="18095"/>
-            <a:lumOff val="1244"/>
-            <a:alphaOff val="0"/>
-          </a:schemeClr>
-        </a:solidFill>
-        <a:ln w="25400" cap="flat" cmpd="sng" algn="ctr">
-          <a:solidFill>
-            <a:schemeClr val="accent5">
-              <a:tint val="40000"/>
-              <a:alpha val="90000"/>
-              <a:hueOff val="0"/>
-              <a:satOff val="0"/>
-              <a:lumOff val="0"/>
-              <a:alphaOff val="0"/>
-            </a:schemeClr>
-          </a:solidFill>
-          <a:prstDash val="solid"/>
-        </a:ln>
-        <a:effectLst/>
-      </dsp:spPr>
-      <dsp:style>
-        <a:lnRef idx="2">
-          <a:scrgbClr r="0" g="0" b="0"/>
-        </a:lnRef>
-        <a:fillRef idx="1">
-          <a:scrgbClr r="0" g="0" b="0"/>
-        </a:fillRef>
-        <a:effectRef idx="0">
-          <a:scrgbClr r="0" g="0" b="0"/>
-        </a:effectRef>
-        <a:fontRef idx="minor"/>
-      </dsp:style>
-      <dsp:txBody>
-        <a:bodyPr spcFirstLastPara="0" vert="horz" wrap="square" lIns="42672" tIns="42672" rIns="42672" bIns="42672" numCol="1" spcCol="1270" anchor="ctr" anchorCtr="0">
-          <a:noAutofit/>
-        </a:bodyPr>
-        <a:lstStyle/>
-        <a:p>
-          <a:pPr lvl="0" algn="ctr" defTabSz="266700">
-            <a:lnSpc>
-              <a:spcPct val="90000"/>
-            </a:lnSpc>
-            <a:spcBef>
-              <a:spcPct val="0"/>
-            </a:spcBef>
-            <a:spcAft>
-              <a:spcPct val="35000"/>
-            </a:spcAft>
-          </a:pPr>
-          <a:endParaRPr lang="fr-CH" sz="600" kern="1200"/>
-        </a:p>
-      </dsp:txBody>
-      <dsp:txXfrm>
-        <a:off x="5351223" y="1016350"/>
-        <a:ext cx="1579049" cy="360000"/>
-      </dsp:txXfrm>
-    </dsp:sp>
-    <dsp:sp modelId="{CAF7AB3A-98DD-4F45-A7EB-CCC9BDDB8C6E}">
-      <dsp:nvSpPr>
-        <dsp:cNvPr id="0" name=""/>
-        <dsp:cNvSpPr/>
-      </dsp:nvSpPr>
-      <dsp:spPr>
-        <a:xfrm>
-          <a:off x="7017998" y="31683"/>
-          <a:ext cx="1754499" cy="4182224"/>
-        </a:xfrm>
-        <a:prstGeom prst="rect">
-          <a:avLst/>
-        </a:prstGeom>
-        <a:solidFill>
-          <a:schemeClr val="lt1"/>
-        </a:solidFill>
-        <a:ln w="25400" cap="flat" cmpd="sng" algn="ctr">
-          <a:solidFill>
-            <a:schemeClr val="dk1"/>
-          </a:solidFill>
-          <a:prstDash val="solid"/>
-        </a:ln>
-        <a:effectLst/>
-      </dsp:spPr>
-      <dsp:style>
-        <a:lnRef idx="2">
-          <a:schemeClr val="dk1"/>
-        </a:lnRef>
-        <a:fillRef idx="1">
-          <a:schemeClr val="lt1"/>
-        </a:fillRef>
-        <a:effectRef idx="0">
-          <a:schemeClr val="dk1"/>
-        </a:effectRef>
-        <a:fontRef idx="minor">
-          <a:schemeClr val="dk1"/>
-        </a:fontRef>
-      </dsp:style>
-      <dsp:txBody>
-        <a:bodyPr spcFirstLastPara="0" vert="horz" wrap="square" lIns="85344" tIns="85344" rIns="85344" bIns="85344" numCol="1" spcCol="1270" anchor="ctr" anchorCtr="0">
-          <a:noAutofit/>
-        </a:bodyPr>
-        <a:lstStyle/>
-        <a:p>
-          <a:pPr lvl="0" algn="ctr" defTabSz="533400">
-            <a:lnSpc>
-              <a:spcPct val="90000"/>
-            </a:lnSpc>
-            <a:spcBef>
-              <a:spcPct val="0"/>
-            </a:spcBef>
-            <a:spcAft>
-              <a:spcPct val="35000"/>
-            </a:spcAft>
-          </a:pPr>
-          <a:r>
-            <a:rPr sz="1200" b="1" kern="1200"/>
-            <a:t>Customer Segments</a:t>
-          </a:r>
-        </a:p>
-      </dsp:txBody>
-      <dsp:txXfrm>
-        <a:off x="7017998" y="31683"/>
-        <a:ext cx="1754499" cy="418222"/>
-      </dsp:txXfrm>
-    </dsp:sp>
-    <dsp:sp modelId="{F107834B-45FD-400F-B8D4-3A77F56B3230}">
-      <dsp:nvSpPr>
-        <dsp:cNvPr id="0" name=""/>
-        <dsp:cNvSpPr/>
-      </dsp:nvSpPr>
-      <dsp:spPr>
-        <a:xfrm>
-          <a:off x="7105723" y="2061907"/>
-          <a:ext cx="1579049" cy="360000"/>
-        </a:xfrm>
-        <a:prstGeom prst="rect">
-          <a:avLst/>
-        </a:prstGeom>
-        <a:solidFill>
-          <a:schemeClr val="accent5">
-            <a:tint val="40000"/>
-            <a:alpha val="90000"/>
-            <a:hueOff val="-5370241"/>
-            <a:satOff val="24126"/>
-            <a:lumOff val="1658"/>
-            <a:alphaOff val="0"/>
-          </a:schemeClr>
-        </a:solidFill>
-        <a:ln w="25400" cap="flat" cmpd="sng" algn="ctr">
-          <a:solidFill>
-            <a:schemeClr val="accent5">
-              <a:tint val="40000"/>
-              <a:alpha val="90000"/>
-              <a:hueOff val="0"/>
-              <a:satOff val="0"/>
-              <a:lumOff val="0"/>
-              <a:alphaOff val="0"/>
-            </a:schemeClr>
-          </a:solidFill>
-          <a:prstDash val="solid"/>
-        </a:ln>
-        <a:effectLst/>
-      </dsp:spPr>
-      <dsp:style>
-        <a:lnRef idx="2">
-          <a:scrgbClr r="0" g="0" b="0"/>
-        </a:lnRef>
-        <a:fillRef idx="1">
-          <a:scrgbClr r="0" g="0" b="0"/>
-        </a:fillRef>
-        <a:effectRef idx="0">
-          <a:scrgbClr r="0" g="0" b="0"/>
-        </a:effectRef>
-        <a:fontRef idx="minor"/>
-      </dsp:style>
-      <dsp:txBody>
-        <a:bodyPr spcFirstLastPara="0" vert="horz" wrap="square" lIns="42672" tIns="42672" rIns="42672" bIns="42672" numCol="1" spcCol="1270" anchor="ctr" anchorCtr="0">
-          <a:noAutofit/>
-        </a:bodyPr>
-        <a:lstStyle/>
-        <a:p>
-          <a:pPr lvl="0" algn="ctr" defTabSz="266700">
-            <a:lnSpc>
-              <a:spcPct val="90000"/>
-            </a:lnSpc>
-            <a:spcBef>
-              <a:spcPct val="0"/>
-            </a:spcBef>
-            <a:spcAft>
-              <a:spcPct val="35000"/>
-            </a:spcAft>
-          </a:pPr>
-          <a:endParaRPr lang="fr-CH" sz="600" kern="1200"/>
-        </a:p>
-      </dsp:txBody>
-      <dsp:txXfrm>
-        <a:off x="7105723" y="2061907"/>
-        <a:ext cx="1579049" cy="360000"/>
-      </dsp:txXfrm>
-    </dsp:sp>
-    <dsp:sp modelId="{7D91BC23-4CA6-47A7-9B9A-CCEE26B6D6A4}">
-      <dsp:nvSpPr>
-        <dsp:cNvPr id="0" name=""/>
-        <dsp:cNvSpPr/>
-      </dsp:nvSpPr>
-      <dsp:spPr>
-        <a:xfrm>
-          <a:off x="1754499" y="2122795"/>
-          <a:ext cx="1754499" cy="2091112"/>
-        </a:xfrm>
-        <a:prstGeom prst="rect">
-          <a:avLst/>
-        </a:prstGeom>
-        <a:solidFill>
-          <a:schemeClr val="lt1"/>
-        </a:solidFill>
-        <a:ln w="25400" cap="flat" cmpd="sng" algn="ctr">
-          <a:solidFill>
-            <a:schemeClr val="dk1"/>
-          </a:solidFill>
-          <a:prstDash val="solid"/>
-        </a:ln>
-        <a:effectLst/>
-      </dsp:spPr>
-      <dsp:style>
-        <a:lnRef idx="2">
-          <a:schemeClr val="dk1"/>
-        </a:lnRef>
-        <a:fillRef idx="1">
-          <a:schemeClr val="lt1"/>
-        </a:fillRef>
-        <a:effectRef idx="0">
-          <a:schemeClr val="dk1"/>
-        </a:effectRef>
-        <a:fontRef idx="minor">
-          <a:schemeClr val="dk1"/>
-        </a:fontRef>
-      </dsp:style>
-      <dsp:txBody>
-        <a:bodyPr spcFirstLastPara="0" vert="horz" wrap="square" lIns="85344" tIns="85344" rIns="85344" bIns="85344" numCol="1" spcCol="1270" anchor="ctr" anchorCtr="0">
-          <a:noAutofit/>
-        </a:bodyPr>
-        <a:lstStyle/>
-        <a:p>
-          <a:pPr lvl="0" algn="ctr" defTabSz="533400">
-            <a:lnSpc>
-              <a:spcPct val="90000"/>
-            </a:lnSpc>
-            <a:spcBef>
-              <a:spcPct val="0"/>
-            </a:spcBef>
-            <a:spcAft>
-              <a:spcPct val="35000"/>
-            </a:spcAft>
-          </a:pPr>
-          <a:r>
-            <a:rPr sz="1200" b="1" kern="1200"/>
-            <a:t>Key Resources</a:t>
-          </a:r>
-        </a:p>
-      </dsp:txBody>
-      <dsp:txXfrm>
-        <a:off x="1754499" y="2122795"/>
-        <a:ext cx="1754499" cy="418222"/>
-      </dsp:txXfrm>
-    </dsp:sp>
-    <dsp:sp modelId="{4F16A606-0BAD-4130-AB53-5AEA2D14FA4E}">
-      <dsp:nvSpPr>
-        <dsp:cNvPr id="0" name=""/>
-        <dsp:cNvSpPr/>
-      </dsp:nvSpPr>
-      <dsp:spPr>
-        <a:xfrm>
-          <a:off x="1842224" y="3107463"/>
-          <a:ext cx="1579049" cy="360000"/>
-        </a:xfrm>
-        <a:prstGeom prst="rect">
-          <a:avLst/>
-        </a:prstGeom>
-        <a:solidFill>
-          <a:schemeClr val="accent5">
-            <a:tint val="40000"/>
-            <a:alpha val="90000"/>
-            <a:hueOff val="-6712801"/>
-            <a:satOff val="30158"/>
-            <a:lumOff val="2073"/>
-            <a:alphaOff val="0"/>
-          </a:schemeClr>
-        </a:solidFill>
-        <a:ln w="25400" cap="flat" cmpd="sng" algn="ctr">
-          <a:solidFill>
-            <a:schemeClr val="accent5">
-              <a:tint val="40000"/>
-              <a:alpha val="90000"/>
-              <a:hueOff val="0"/>
-              <a:satOff val="0"/>
-              <a:lumOff val="0"/>
-              <a:alphaOff val="0"/>
-            </a:schemeClr>
-          </a:solidFill>
-          <a:prstDash val="solid"/>
-        </a:ln>
-        <a:effectLst/>
-      </dsp:spPr>
-      <dsp:style>
-        <a:lnRef idx="2">
-          <a:scrgbClr r="0" g="0" b="0"/>
-        </a:lnRef>
-        <a:fillRef idx="1">
-          <a:scrgbClr r="0" g="0" b="0"/>
-        </a:fillRef>
-        <a:effectRef idx="0">
-          <a:scrgbClr r="0" g="0" b="0"/>
-        </a:effectRef>
-        <a:fontRef idx="minor"/>
-      </dsp:style>
-      <dsp:txBody>
-        <a:bodyPr spcFirstLastPara="0" vert="horz" wrap="square" lIns="49784" tIns="49784" rIns="49784" bIns="49784" numCol="1" spcCol="1270" anchor="ctr" anchorCtr="0">
-          <a:noAutofit/>
-        </a:bodyPr>
-        <a:lstStyle/>
-        <a:p>
-          <a:pPr lvl="0" algn="ctr" defTabSz="311150">
-            <a:lnSpc>
-              <a:spcPct val="90000"/>
-            </a:lnSpc>
-            <a:spcBef>
-              <a:spcPct val="0"/>
-            </a:spcBef>
-            <a:spcAft>
-              <a:spcPct val="35000"/>
-            </a:spcAft>
-          </a:pPr>
-          <a:endParaRPr lang="fr-CH" sz="700" kern="1200"/>
-        </a:p>
-      </dsp:txBody>
-      <dsp:txXfrm>
-        <a:off x="1842224" y="3107463"/>
-        <a:ext cx="1579049" cy="360000"/>
-      </dsp:txXfrm>
-    </dsp:sp>
-    <dsp:sp modelId="{2CF15BA1-2C7B-4B58-A625-0FE7021F160F}">
-      <dsp:nvSpPr>
-        <dsp:cNvPr id="0" name=""/>
-        <dsp:cNvSpPr/>
-      </dsp:nvSpPr>
-      <dsp:spPr>
-        <a:xfrm>
-          <a:off x="5263498" y="2122795"/>
-          <a:ext cx="1754499" cy="2091112"/>
-        </a:xfrm>
-        <a:prstGeom prst="rect">
-          <a:avLst/>
-        </a:prstGeom>
-        <a:solidFill>
-          <a:schemeClr val="lt1"/>
-        </a:solidFill>
-        <a:ln w="25400" cap="flat" cmpd="sng" algn="ctr">
-          <a:solidFill>
-            <a:schemeClr val="dk1"/>
-          </a:solidFill>
-          <a:prstDash val="solid"/>
-        </a:ln>
-        <a:effectLst/>
-      </dsp:spPr>
-      <dsp:style>
-        <a:lnRef idx="2">
-          <a:schemeClr val="dk1"/>
-        </a:lnRef>
-        <a:fillRef idx="1">
-          <a:schemeClr val="lt1"/>
-        </a:fillRef>
-        <a:effectRef idx="0">
-          <a:schemeClr val="dk1"/>
-        </a:effectRef>
-        <a:fontRef idx="minor">
-          <a:schemeClr val="dk1"/>
-        </a:fontRef>
-      </dsp:style>
-      <dsp:txBody>
-        <a:bodyPr spcFirstLastPara="0" vert="horz" wrap="square" lIns="85344" tIns="85344" rIns="85344" bIns="85344" numCol="1" spcCol="1270" anchor="ctr" anchorCtr="0">
-          <a:noAutofit/>
-        </a:bodyPr>
-        <a:lstStyle/>
-        <a:p>
-          <a:pPr lvl="0" algn="ctr" defTabSz="533400">
-            <a:lnSpc>
-              <a:spcPct val="90000"/>
-            </a:lnSpc>
-            <a:spcBef>
-              <a:spcPct val="0"/>
-            </a:spcBef>
-            <a:spcAft>
-              <a:spcPct val="35000"/>
-            </a:spcAft>
-          </a:pPr>
-          <a:r>
-            <a:rPr sz="1200" b="1" kern="1200"/>
-            <a:t>Channels</a:t>
-          </a:r>
-        </a:p>
-      </dsp:txBody>
-      <dsp:txXfrm>
-        <a:off x="5263498" y="2122795"/>
-        <a:ext cx="1754499" cy="418222"/>
-      </dsp:txXfrm>
-    </dsp:sp>
-    <dsp:sp modelId="{EC5D26E8-703B-450E-B9A3-04DBA4AC3588}">
-      <dsp:nvSpPr>
-        <dsp:cNvPr id="0" name=""/>
-        <dsp:cNvSpPr/>
-      </dsp:nvSpPr>
-      <dsp:spPr>
-        <a:xfrm>
-          <a:off x="5351223" y="3107463"/>
-          <a:ext cx="1579049" cy="360000"/>
-        </a:xfrm>
-        <a:prstGeom prst="rect">
-          <a:avLst/>
-        </a:prstGeom>
-        <a:solidFill>
-          <a:schemeClr val="accent5">
-            <a:tint val="40000"/>
-            <a:alpha val="90000"/>
-            <a:hueOff val="-8055361"/>
-            <a:satOff val="36190"/>
-            <a:lumOff val="2488"/>
-            <a:alphaOff val="0"/>
-          </a:schemeClr>
-        </a:solidFill>
-        <a:ln w="25400" cap="flat" cmpd="sng" algn="ctr">
-          <a:solidFill>
-            <a:schemeClr val="accent5">
-              <a:tint val="40000"/>
-              <a:alpha val="90000"/>
-              <a:hueOff val="0"/>
-              <a:satOff val="0"/>
-              <a:lumOff val="0"/>
-              <a:alphaOff val="0"/>
-            </a:schemeClr>
-          </a:solidFill>
-          <a:prstDash val="solid"/>
-        </a:ln>
-        <a:effectLst/>
-      </dsp:spPr>
-      <dsp:style>
-        <a:lnRef idx="2">
-          <a:scrgbClr r="0" g="0" b="0"/>
-        </a:lnRef>
-        <a:fillRef idx="1">
-          <a:scrgbClr r="0" g="0" b="0"/>
-        </a:fillRef>
-        <a:effectRef idx="0">
-          <a:scrgbClr r="0" g="0" b="0"/>
-        </a:effectRef>
-        <a:fontRef idx="minor"/>
-      </dsp:style>
-      <dsp:txBody>
-        <a:bodyPr spcFirstLastPara="0" vert="horz" wrap="square" lIns="42672" tIns="42672" rIns="42672" bIns="42672" numCol="1" spcCol="1270" anchor="ctr" anchorCtr="0">
-          <a:noAutofit/>
-        </a:bodyPr>
-        <a:lstStyle/>
-        <a:p>
-          <a:pPr lvl="0" algn="ctr" defTabSz="266700">
-            <a:lnSpc>
-              <a:spcPct val="90000"/>
-            </a:lnSpc>
-            <a:spcBef>
-              <a:spcPct val="0"/>
-            </a:spcBef>
-            <a:spcAft>
-              <a:spcPct val="35000"/>
-            </a:spcAft>
-          </a:pPr>
-          <a:endParaRPr lang="fr-CH" sz="600" kern="1200"/>
-        </a:p>
-      </dsp:txBody>
-      <dsp:txXfrm>
-        <a:off x="5351223" y="3107463"/>
-        <a:ext cx="1579049" cy="360000"/>
-      </dsp:txXfrm>
-    </dsp:sp>
-    <dsp:sp modelId="{2ED0AC0C-F03D-474F-BEB4-D254E0DA7327}">
-      <dsp:nvSpPr>
-        <dsp:cNvPr id="0" name=""/>
-        <dsp:cNvSpPr/>
-      </dsp:nvSpPr>
-      <dsp:spPr>
-        <a:xfrm>
-          <a:off x="0" y="4213908"/>
-          <a:ext cx="3508999" cy="2091112"/>
-        </a:xfrm>
-        <a:prstGeom prst="rect">
-          <a:avLst/>
-        </a:prstGeom>
-        <a:solidFill>
-          <a:schemeClr val="lt1"/>
-        </a:solidFill>
-        <a:ln w="25400" cap="flat" cmpd="sng" algn="ctr">
-          <a:solidFill>
-            <a:schemeClr val="dk1"/>
-          </a:solidFill>
-          <a:prstDash val="solid"/>
-        </a:ln>
-        <a:effectLst/>
-      </dsp:spPr>
-      <dsp:style>
-        <a:lnRef idx="2">
-          <a:schemeClr val="dk1"/>
-        </a:lnRef>
-        <a:fillRef idx="1">
-          <a:schemeClr val="lt1"/>
-        </a:fillRef>
-        <a:effectRef idx="0">
-          <a:schemeClr val="dk1"/>
-        </a:effectRef>
-        <a:fontRef idx="minor">
-          <a:schemeClr val="dk1"/>
-        </a:fontRef>
-      </dsp:style>
-      <dsp:txBody>
-        <a:bodyPr spcFirstLastPara="0" vert="horz" wrap="square" lIns="85344" tIns="85344" rIns="85344" bIns="85344" numCol="1" spcCol="1270" anchor="ctr" anchorCtr="0">
-          <a:noAutofit/>
-        </a:bodyPr>
-        <a:lstStyle/>
-        <a:p>
-          <a:pPr lvl="0" algn="ctr" defTabSz="533400">
-            <a:lnSpc>
-              <a:spcPct val="90000"/>
-            </a:lnSpc>
-            <a:spcBef>
-              <a:spcPct val="0"/>
-            </a:spcBef>
-            <a:spcAft>
-              <a:spcPct val="35000"/>
-            </a:spcAft>
-          </a:pPr>
-          <a:r>
-            <a:rPr sz="1200" b="1" kern="1200"/>
-            <a:t>Cost Structure</a:t>
-          </a:r>
-        </a:p>
-      </dsp:txBody>
-      <dsp:txXfrm>
-        <a:off x="0" y="4213908"/>
-        <a:ext cx="3508999" cy="418222"/>
-      </dsp:txXfrm>
-    </dsp:sp>
-    <dsp:sp modelId="{D8B8A983-4F9F-4E22-A16D-60CBD7BA6C02}">
-      <dsp:nvSpPr>
-        <dsp:cNvPr id="0" name=""/>
-        <dsp:cNvSpPr/>
-      </dsp:nvSpPr>
-      <dsp:spPr>
-        <a:xfrm>
-          <a:off x="175449" y="5198575"/>
-          <a:ext cx="3158099" cy="360000"/>
-        </a:xfrm>
-        <a:prstGeom prst="rect">
-          <a:avLst/>
-        </a:prstGeom>
-        <a:solidFill>
-          <a:schemeClr val="accent5">
-            <a:tint val="40000"/>
-            <a:alpha val="90000"/>
-            <a:hueOff val="-9397921"/>
-            <a:satOff val="42221"/>
-            <a:lumOff val="2902"/>
-            <a:alphaOff val="0"/>
-          </a:schemeClr>
-        </a:solidFill>
-        <a:ln w="25400" cap="flat" cmpd="sng" algn="ctr">
-          <a:solidFill>
-            <a:schemeClr val="accent5">
-              <a:tint val="40000"/>
-              <a:alpha val="90000"/>
-              <a:hueOff val="0"/>
-              <a:satOff val="0"/>
-              <a:lumOff val="0"/>
-              <a:alphaOff val="0"/>
-            </a:schemeClr>
-          </a:solidFill>
-          <a:prstDash val="solid"/>
-        </a:ln>
-        <a:effectLst/>
-      </dsp:spPr>
-      <dsp:style>
-        <a:lnRef idx="2">
-          <a:scrgbClr r="0" g="0" b="0"/>
-        </a:lnRef>
-        <a:fillRef idx="1">
-          <a:scrgbClr r="0" g="0" b="0"/>
-        </a:fillRef>
-        <a:effectRef idx="0">
-          <a:scrgbClr r="0" g="0" b="0"/>
-        </a:effectRef>
-        <a:fontRef idx="minor"/>
-      </dsp:style>
-      <dsp:txBody>
-        <a:bodyPr spcFirstLastPara="0" vert="horz" wrap="square" lIns="56896" tIns="56896" rIns="56896" bIns="56896" numCol="1" spcCol="1270" anchor="ctr" anchorCtr="0">
-          <a:noAutofit/>
-        </a:bodyPr>
-        <a:lstStyle/>
-        <a:p>
-          <a:pPr lvl="0" algn="ctr" defTabSz="355600">
-            <a:lnSpc>
-              <a:spcPct val="90000"/>
-            </a:lnSpc>
-            <a:spcBef>
-              <a:spcPct val="0"/>
-            </a:spcBef>
-            <a:spcAft>
-              <a:spcPct val="35000"/>
-            </a:spcAft>
-          </a:pPr>
-          <a:endParaRPr lang="fr-CH" sz="800" kern="1200"/>
-        </a:p>
-      </dsp:txBody>
-      <dsp:txXfrm>
-        <a:off x="175449" y="5198575"/>
-        <a:ext cx="3158099" cy="360000"/>
-      </dsp:txXfrm>
-    </dsp:sp>
-    <dsp:sp modelId="{848C9CB7-6F8C-4B26-8FFC-4426A1934750}">
-      <dsp:nvSpPr>
-        <dsp:cNvPr id="0" name=""/>
-        <dsp:cNvSpPr/>
-      </dsp:nvSpPr>
-      <dsp:spPr>
-        <a:xfrm>
-          <a:off x="5263498" y="4213908"/>
-          <a:ext cx="3508999" cy="2091112"/>
-        </a:xfrm>
-        <a:prstGeom prst="rect">
-          <a:avLst/>
-        </a:prstGeom>
-        <a:solidFill>
-          <a:schemeClr val="lt1"/>
-        </a:solidFill>
-        <a:ln w="25400" cap="flat" cmpd="sng" algn="ctr">
-          <a:solidFill>
-            <a:schemeClr val="dk1"/>
-          </a:solidFill>
-          <a:prstDash val="solid"/>
-        </a:ln>
-        <a:effectLst/>
-      </dsp:spPr>
-      <dsp:style>
-        <a:lnRef idx="2">
-          <a:schemeClr val="dk1"/>
-        </a:lnRef>
-        <a:fillRef idx="1">
-          <a:schemeClr val="lt1"/>
-        </a:fillRef>
-        <a:effectRef idx="0">
-          <a:schemeClr val="dk1"/>
-        </a:effectRef>
-        <a:fontRef idx="minor">
-          <a:schemeClr val="dk1"/>
-        </a:fontRef>
-      </dsp:style>
-      <dsp:txBody>
-        <a:bodyPr spcFirstLastPara="0" vert="horz" wrap="square" lIns="85344" tIns="85344" rIns="85344" bIns="85344" numCol="1" spcCol="1270" anchor="ctr" anchorCtr="0">
-          <a:noAutofit/>
-        </a:bodyPr>
-        <a:lstStyle/>
-        <a:p>
-          <a:pPr lvl="0" algn="ctr" defTabSz="533400">
-            <a:lnSpc>
-              <a:spcPct val="90000"/>
-            </a:lnSpc>
-            <a:spcBef>
-              <a:spcPct val="0"/>
-            </a:spcBef>
-            <a:spcAft>
-              <a:spcPct val="35000"/>
-            </a:spcAft>
-          </a:pPr>
-          <a:r>
-            <a:rPr sz="1200" b="1" kern="1200"/>
-            <a:t>Revenue Streams</a:t>
-          </a:r>
-        </a:p>
-      </dsp:txBody>
-      <dsp:txXfrm>
-        <a:off x="5263498" y="4213908"/>
-        <a:ext cx="3508999" cy="418222"/>
-      </dsp:txXfrm>
-    </dsp:sp>
-    <dsp:sp modelId="{27AA0C9D-C03E-44D2-99BC-6C1F4443F5FD}">
-      <dsp:nvSpPr>
-        <dsp:cNvPr id="0" name=""/>
-        <dsp:cNvSpPr/>
-      </dsp:nvSpPr>
-      <dsp:spPr>
-        <a:xfrm>
-          <a:off x="5438948" y="5198575"/>
-          <a:ext cx="3158099" cy="360000"/>
-        </a:xfrm>
-        <a:prstGeom prst="rect">
-          <a:avLst/>
-        </a:prstGeom>
-        <a:solidFill>
-          <a:schemeClr val="accent5">
-            <a:tint val="40000"/>
-            <a:alpha val="90000"/>
-            <a:hueOff val="-10740482"/>
-            <a:satOff val="48253"/>
-            <a:lumOff val="3317"/>
-            <a:alphaOff val="0"/>
-          </a:schemeClr>
-        </a:solidFill>
-        <a:ln w="25400" cap="flat" cmpd="sng" algn="ctr">
-          <a:solidFill>
-            <a:schemeClr val="accent5">
-              <a:tint val="40000"/>
-              <a:alpha val="90000"/>
-              <a:hueOff val="0"/>
-              <a:satOff val="0"/>
-              <a:lumOff val="0"/>
-              <a:alphaOff val="0"/>
-            </a:schemeClr>
-          </a:solidFill>
-          <a:prstDash val="solid"/>
-        </a:ln>
-        <a:effectLst/>
-      </dsp:spPr>
-      <dsp:style>
-        <a:lnRef idx="2">
-          <a:scrgbClr r="0" g="0" b="0"/>
-        </a:lnRef>
-        <a:fillRef idx="1">
-          <a:scrgbClr r="0" g="0" b="0"/>
-        </a:fillRef>
-        <a:effectRef idx="0">
-          <a:scrgbClr r="0" g="0" b="0"/>
-        </a:effectRef>
-        <a:fontRef idx="minor"/>
-      </dsp:style>
-      <dsp:txBody>
-        <a:bodyPr spcFirstLastPara="0" vert="horz" wrap="square" lIns="56896" tIns="56896" rIns="56896" bIns="56896" numCol="1" spcCol="1270" anchor="ctr" anchorCtr="0">
-          <a:noAutofit/>
-        </a:bodyPr>
-        <a:lstStyle/>
-        <a:p>
-          <a:pPr lvl="0" algn="ctr" defTabSz="355600">
-            <a:lnSpc>
-              <a:spcPct val="90000"/>
-            </a:lnSpc>
-            <a:spcBef>
-              <a:spcPct val="0"/>
-            </a:spcBef>
-            <a:spcAft>
-              <a:spcPct val="35000"/>
-            </a:spcAft>
-          </a:pPr>
-          <a:endParaRPr lang="fr-CH" sz="800" kern="1200"/>
-        </a:p>
-      </dsp:txBody>
-      <dsp:txXfrm>
-        <a:off x="5438948" y="5198575"/>
-        <a:ext cx="3158099" cy="360000"/>
-      </dsp:txXfrm>
-    </dsp:sp>
-    <dsp:sp modelId="{C9F0AD68-28F7-46E2-99CE-AE4A4331CD02}">
-      <dsp:nvSpPr>
-        <dsp:cNvPr id="0" name=""/>
-        <dsp:cNvSpPr/>
-      </dsp:nvSpPr>
-      <dsp:spPr>
-        <a:xfrm>
-          <a:off x="3508999" y="4213908"/>
-          <a:ext cx="1754499" cy="2091112"/>
-        </a:xfrm>
-        <a:prstGeom prst="rect">
-          <a:avLst/>
-        </a:prstGeom>
-        <a:noFill/>
-        <a:ln w="25400" cap="flat" cmpd="sng" algn="ctr">
-          <a:noFill/>
-          <a:prstDash val="solid"/>
-        </a:ln>
-        <a:effectLst/>
-        <a:sp3d/>
-      </dsp:spPr>
-      <dsp:style>
-        <a:lnRef idx="2">
-          <a:scrgbClr r="0" g="0" b="0"/>
-        </a:lnRef>
-        <a:fillRef idx="1">
-          <a:scrgbClr r="0" g="0" b="0"/>
-        </a:fillRef>
-        <a:effectRef idx="0">
-          <a:scrgbClr r="0" g="0" b="0"/>
-        </a:effectRef>
-        <a:fontRef idx="minor">
-          <a:schemeClr val="lt1"/>
-        </a:fontRef>
-      </dsp:style>
-      <dsp:txBody>
-        <a:bodyPr spcFirstLastPara="0" vert="horz" wrap="square" lIns="85344" tIns="85344" rIns="85344" bIns="85344" numCol="1" spcCol="1270" anchor="ctr" anchorCtr="0">
-          <a:noAutofit/>
-        </a:bodyPr>
-        <a:lstStyle/>
-        <a:p>
-          <a:pPr lvl="0" algn="ctr" defTabSz="533400">
-            <a:lnSpc>
-              <a:spcPct val="90000"/>
-            </a:lnSpc>
-            <a:spcBef>
-              <a:spcPct val="0"/>
-            </a:spcBef>
-            <a:spcAft>
-              <a:spcPct val="35000"/>
-            </a:spcAft>
-          </a:pPr>
-          <a:endParaRPr lang="fr-CH" sz="1200" kern="1200"/>
-        </a:p>
-      </dsp:txBody>
-      <dsp:txXfrm>
-        <a:off x="3508999" y="4213908"/>
-        <a:ext cx="1754499" cy="2091112"/>
-      </dsp:txXfrm>
-    </dsp:sp>
-    <dsp:sp modelId="{0C88AA4A-3D28-44F5-A91C-59845B0A3B9D}">
-      <dsp:nvSpPr>
-        <dsp:cNvPr id="0" name=""/>
-        <dsp:cNvSpPr/>
-      </dsp:nvSpPr>
-      <dsp:spPr>
-        <a:xfrm>
-          <a:off x="3508999" y="4213908"/>
-          <a:ext cx="1754499" cy="2091112"/>
-        </a:xfrm>
-        <a:prstGeom prst="rect">
-          <a:avLst/>
-        </a:prstGeom>
-        <a:solidFill>
-          <a:schemeClr val="lt1"/>
-        </a:solidFill>
-        <a:ln w="25400" cap="flat" cmpd="sng" algn="ctr">
-          <a:solidFill>
-            <a:schemeClr val="dk1"/>
-          </a:solidFill>
-          <a:prstDash val="solid"/>
-        </a:ln>
-        <a:effectLst/>
-      </dsp:spPr>
-      <dsp:style>
-        <a:lnRef idx="2">
-          <a:schemeClr val="dk1"/>
-        </a:lnRef>
-        <a:fillRef idx="1">
-          <a:schemeClr val="lt1"/>
-        </a:fillRef>
-        <a:effectRef idx="0">
-          <a:schemeClr val="dk1"/>
-        </a:effectRef>
-        <a:fontRef idx="minor">
-          <a:schemeClr val="dk1"/>
-        </a:fontRef>
-      </dsp:style>
-    </dsp:sp>
   </dsp:spTree>
 </dsp:drawing>
 </file>
@@ -19509,7 +16664,7 @@
           <a:p>
             <a:fld id="{C8E6E18F-13DE-416A-AE00-E13C45C3DCBA}" type="datetimeFigureOut">
               <a:rPr lang="fr-CH" smtClean="0"/>
-              <a:t>17.06.2011</a:t>
+              <a:t>21.03.2014</a:t>
             </a:fld>
             <a:endParaRPr lang="fr-CH"/>
           </a:p>
@@ -20126,7 +17281,7 @@
           <a:p>
             <a:fld id="{891FEE22-EA30-4C63-B048-169F017C963E}" type="datetimeFigureOut">
               <a:rPr lang="fr-CH" smtClean="0"/>
-              <a:t>17.06.2011</a:t>
+              <a:t>21.03.2014</a:t>
             </a:fld>
             <a:endParaRPr lang="fr-CH"/>
           </a:p>
@@ -20296,7 +17451,7 @@
           <a:p>
             <a:fld id="{891FEE22-EA30-4C63-B048-169F017C963E}" type="datetimeFigureOut">
               <a:rPr lang="fr-CH" smtClean="0"/>
-              <a:t>17.06.2011</a:t>
+              <a:t>21.03.2014</a:t>
             </a:fld>
             <a:endParaRPr lang="fr-CH"/>
           </a:p>
@@ -20476,7 +17631,7 @@
           <a:p>
             <a:fld id="{891FEE22-EA30-4C63-B048-169F017C963E}" type="datetimeFigureOut">
               <a:rPr lang="fr-CH" smtClean="0"/>
-              <a:t>17.06.2011</a:t>
+              <a:t>21.03.2014</a:t>
             </a:fld>
             <a:endParaRPr lang="fr-CH"/>
           </a:p>
@@ -20646,7 +17801,7 @@
           <a:p>
             <a:fld id="{891FEE22-EA30-4C63-B048-169F017C963E}" type="datetimeFigureOut">
               <a:rPr lang="fr-CH" smtClean="0"/>
-              <a:t>17.06.2011</a:t>
+              <a:t>21.03.2014</a:t>
             </a:fld>
             <a:endParaRPr lang="fr-CH"/>
           </a:p>
@@ -20892,7 +18047,7 @@
           <a:p>
             <a:fld id="{891FEE22-EA30-4C63-B048-169F017C963E}" type="datetimeFigureOut">
               <a:rPr lang="fr-CH" smtClean="0"/>
-              <a:t>17.06.2011</a:t>
+              <a:t>21.03.2014</a:t>
             </a:fld>
             <a:endParaRPr lang="fr-CH"/>
           </a:p>
@@ -21180,7 +18335,7 @@
           <a:p>
             <a:fld id="{891FEE22-EA30-4C63-B048-169F017C963E}" type="datetimeFigureOut">
               <a:rPr lang="fr-CH" smtClean="0"/>
-              <a:t>17.06.2011</a:t>
+              <a:t>21.03.2014</a:t>
             </a:fld>
             <a:endParaRPr lang="fr-CH"/>
           </a:p>
@@ -21602,7 +18757,7 @@
           <a:p>
             <a:fld id="{891FEE22-EA30-4C63-B048-169F017C963E}" type="datetimeFigureOut">
               <a:rPr lang="fr-CH" smtClean="0"/>
-              <a:t>17.06.2011</a:t>
+              <a:t>21.03.2014</a:t>
             </a:fld>
             <a:endParaRPr lang="fr-CH"/>
           </a:p>
@@ -21720,7 +18875,7 @@
           <a:p>
             <a:fld id="{891FEE22-EA30-4C63-B048-169F017C963E}" type="datetimeFigureOut">
               <a:rPr lang="fr-CH" smtClean="0"/>
-              <a:t>17.06.2011</a:t>
+              <a:t>21.03.2014</a:t>
             </a:fld>
             <a:endParaRPr lang="fr-CH"/>
           </a:p>
@@ -21815,7 +18970,7 @@
           <a:p>
             <a:fld id="{891FEE22-EA30-4C63-B048-169F017C963E}" type="datetimeFigureOut">
               <a:rPr lang="fr-CH" smtClean="0"/>
-              <a:t>17.06.2011</a:t>
+              <a:t>21.03.2014</a:t>
             </a:fld>
             <a:endParaRPr lang="fr-CH"/>
           </a:p>
@@ -22092,7 +19247,7 @@
           <a:p>
             <a:fld id="{891FEE22-EA30-4C63-B048-169F017C963E}" type="datetimeFigureOut">
               <a:rPr lang="fr-CH" smtClean="0"/>
-              <a:t>17.06.2011</a:t>
+              <a:t>21.03.2014</a:t>
             </a:fld>
             <a:endParaRPr lang="fr-CH"/>
           </a:p>
@@ -22345,7 +19500,7 @@
           <a:p>
             <a:fld id="{891FEE22-EA30-4C63-B048-169F017C963E}" type="datetimeFigureOut">
               <a:rPr lang="fr-CH" smtClean="0"/>
-              <a:t>17.06.2011</a:t>
+              <a:t>21.03.2014</a:t>
             </a:fld>
             <a:endParaRPr lang="fr-CH"/>
           </a:p>
@@ -22558,7 +19713,7 @@
           <a:p>
             <a:fld id="{891FEE22-EA30-4C63-B048-169F017C963E}" type="datetimeFigureOut">
               <a:rPr lang="fr-CH" smtClean="0"/>
-              <a:t>17.06.2011</a:t>
+              <a:t>21.03.2014</a:t>
             </a:fld>
             <a:endParaRPr lang="fr-CH"/>
           </a:p>
@@ -23041,7 +20196,7 @@
             <p:ph idx="1"/>
             <p:extLst>
               <p:ext uri="{D42A27DB-BD31-4B8C-83A1-F6EECF244321}">
-                <p14:modId xmlns:p14="http://schemas.microsoft.com/office/powerpoint/2010/main" val="204581841"/>
+                <p14:modId xmlns:p14="http://schemas.microsoft.com/office/powerpoint/2010/main" val="813141588"/>
               </p:ext>
             </p:extLst>
           </p:nvPr>
